--- a/Documentation/ConceptModel.pptx
+++ b/Documentation/ConceptModel.pptx
@@ -5,7 +5,7 @@
     <p:sldMasterId id="2147483648" r:id="rId1"/>
   </p:sldMasterIdLst>
   <p:notesMasterIdLst>
-    <p:notesMasterId r:id="rId10"/>
+    <p:notesMasterId r:id="rId13"/>
   </p:notesMasterIdLst>
   <p:sldIdLst>
     <p:sldId id="256" r:id="rId2"/>
@@ -16,6 +16,9 @@
     <p:sldId id="262" r:id="rId7"/>
     <p:sldId id="260" r:id="rId8"/>
     <p:sldId id="261" r:id="rId9"/>
+    <p:sldId id="265" r:id="rId10"/>
+    <p:sldId id="264" r:id="rId11"/>
+    <p:sldId id="266" r:id="rId12"/>
   </p:sldIdLst>
   <p:sldSz cx="9144000" cy="6858000" type="screen4x3"/>
   <p:notesSz cx="6858000" cy="9144000"/>
@@ -199,7 +202,7 @@
           <a:p>
             <a:fld id="{2CB47C0B-26F4-4604-A10F-0D1F85E80C79}" type="datetimeFigureOut">
               <a:rPr lang="en-US" smtClean="0"/>
-              <a:t>10/28/2013</a:t>
+              <a:t>4/19/2014</a:t>
             </a:fld>
             <a:endParaRPr lang="en-US"/>
           </a:p>
@@ -732,7 +735,7 @@
           <a:p>
             <a:fld id="{D497955B-8004-424B-BA22-A0BBD749EF8E}" type="datetimeFigureOut">
               <a:rPr lang="en-US" smtClean="0"/>
-              <a:t>10/28/2013</a:t>
+              <a:t>4/19/2014</a:t>
             </a:fld>
             <a:endParaRPr lang="en-US"/>
           </a:p>
@@ -902,7 +905,7 @@
           <a:p>
             <a:fld id="{D497955B-8004-424B-BA22-A0BBD749EF8E}" type="datetimeFigureOut">
               <a:rPr lang="en-US" smtClean="0"/>
-              <a:t>10/28/2013</a:t>
+              <a:t>4/19/2014</a:t>
             </a:fld>
             <a:endParaRPr lang="en-US"/>
           </a:p>
@@ -1082,7 +1085,7 @@
           <a:p>
             <a:fld id="{D497955B-8004-424B-BA22-A0BBD749EF8E}" type="datetimeFigureOut">
               <a:rPr lang="en-US" smtClean="0"/>
-              <a:t>10/28/2013</a:t>
+              <a:t>4/19/2014</a:t>
             </a:fld>
             <a:endParaRPr lang="en-US"/>
           </a:p>
@@ -1252,7 +1255,7 @@
           <a:p>
             <a:fld id="{D497955B-8004-424B-BA22-A0BBD749EF8E}" type="datetimeFigureOut">
               <a:rPr lang="en-US" smtClean="0"/>
-              <a:t>10/28/2013</a:t>
+              <a:t>4/19/2014</a:t>
             </a:fld>
             <a:endParaRPr lang="en-US"/>
           </a:p>
@@ -1498,7 +1501,7 @@
           <a:p>
             <a:fld id="{D497955B-8004-424B-BA22-A0BBD749EF8E}" type="datetimeFigureOut">
               <a:rPr lang="en-US" smtClean="0"/>
-              <a:t>10/28/2013</a:t>
+              <a:t>4/19/2014</a:t>
             </a:fld>
             <a:endParaRPr lang="en-US"/>
           </a:p>
@@ -1786,7 +1789,7 @@
           <a:p>
             <a:fld id="{D497955B-8004-424B-BA22-A0BBD749EF8E}" type="datetimeFigureOut">
               <a:rPr lang="en-US" smtClean="0"/>
-              <a:t>10/28/2013</a:t>
+              <a:t>4/19/2014</a:t>
             </a:fld>
             <a:endParaRPr lang="en-US"/>
           </a:p>
@@ -2208,7 +2211,7 @@
           <a:p>
             <a:fld id="{D497955B-8004-424B-BA22-A0BBD749EF8E}" type="datetimeFigureOut">
               <a:rPr lang="en-US" smtClean="0"/>
-              <a:t>10/28/2013</a:t>
+              <a:t>4/19/2014</a:t>
             </a:fld>
             <a:endParaRPr lang="en-US"/>
           </a:p>
@@ -2326,7 +2329,7 @@
           <a:p>
             <a:fld id="{D497955B-8004-424B-BA22-A0BBD749EF8E}" type="datetimeFigureOut">
               <a:rPr lang="en-US" smtClean="0"/>
-              <a:t>10/28/2013</a:t>
+              <a:t>4/19/2014</a:t>
             </a:fld>
             <a:endParaRPr lang="en-US"/>
           </a:p>
@@ -2421,7 +2424,7 @@
           <a:p>
             <a:fld id="{D497955B-8004-424B-BA22-A0BBD749EF8E}" type="datetimeFigureOut">
               <a:rPr lang="en-US" smtClean="0"/>
-              <a:t>10/28/2013</a:t>
+              <a:t>4/19/2014</a:t>
             </a:fld>
             <a:endParaRPr lang="en-US"/>
           </a:p>
@@ -2698,7 +2701,7 @@
           <a:p>
             <a:fld id="{D497955B-8004-424B-BA22-A0BBD749EF8E}" type="datetimeFigureOut">
               <a:rPr lang="en-US" smtClean="0"/>
-              <a:t>10/28/2013</a:t>
+              <a:t>4/19/2014</a:t>
             </a:fld>
             <a:endParaRPr lang="en-US"/>
           </a:p>
@@ -2951,7 +2954,7 @@
           <a:p>
             <a:fld id="{D497955B-8004-424B-BA22-A0BBD749EF8E}" type="datetimeFigureOut">
               <a:rPr lang="en-US" smtClean="0"/>
-              <a:t>10/28/2013</a:t>
+              <a:t>4/19/2014</a:t>
             </a:fld>
             <a:endParaRPr lang="en-US"/>
           </a:p>
@@ -3164,7 +3167,7 @@
           <a:p>
             <a:fld id="{D497955B-8004-424B-BA22-A0BBD749EF8E}" type="datetimeFigureOut">
               <a:rPr lang="en-US" smtClean="0"/>
-              <a:t>10/28/2013</a:t>
+              <a:t>4/19/2014</a:t>
             </a:fld>
             <a:endParaRPr lang="en-US"/>
           </a:p>
@@ -5125,6 +5128,2873 @@
 </p:sld>
 </file>
 
+<file path=ppt/slides/slide10.xml><?xml version="1.0" encoding="utf-8"?>
+<p:sld xmlns:a="http://schemas.openxmlformats.org/drawingml/2006/main" xmlns:r="http://schemas.openxmlformats.org/officeDocument/2006/relationships" xmlns:p="http://schemas.openxmlformats.org/presentationml/2006/main">
+  <p:cSld>
+    <p:spTree>
+      <p:nvGrpSpPr>
+        <p:cNvPr id="1" name=""/>
+        <p:cNvGrpSpPr/>
+        <p:nvPr/>
+      </p:nvGrpSpPr>
+      <p:grpSpPr>
+        <a:xfrm>
+          <a:off x="0" y="0"/>
+          <a:ext cx="0" cy="0"/>
+          <a:chOff x="0" y="0"/>
+          <a:chExt cx="0" cy="0"/>
+        </a:xfrm>
+      </p:grpSpPr>
+      <p:sp>
+        <p:nvSpPr>
+          <p:cNvPr id="60" name="Down Arrow 59"/>
+          <p:cNvSpPr/>
+          <p:nvPr/>
+        </p:nvSpPr>
+        <p:spPr>
+          <a:xfrm>
+            <a:off x="7022723" y="3826327"/>
+            <a:ext cx="147738" cy="817116"/>
+          </a:xfrm>
+          <a:prstGeom prst="downArrow">
+            <a:avLst/>
+          </a:prstGeom>
+        </p:spPr>
+        <p:style>
+          <a:lnRef idx="2">
+            <a:schemeClr val="accent6">
+              <a:shade val="50000"/>
+            </a:schemeClr>
+          </a:lnRef>
+          <a:fillRef idx="1">
+            <a:schemeClr val="accent6"/>
+          </a:fillRef>
+          <a:effectRef idx="0">
+            <a:schemeClr val="accent6"/>
+          </a:effectRef>
+          <a:fontRef idx="minor">
+            <a:schemeClr val="lt1"/>
+          </a:fontRef>
+        </p:style>
+        <p:txBody>
+          <a:bodyPr lIns="0" rIns="0" rtlCol="0" anchor="ctr"/>
+          <a:lstStyle/>
+          <a:p>
+            <a:pPr algn="ctr"/>
+            <a:endParaRPr lang="en-US" sz="1400"/>
+          </a:p>
+        </p:txBody>
+      </p:sp>
+      <p:sp>
+        <p:nvSpPr>
+          <p:cNvPr id="49" name="Down Arrow 48"/>
+          <p:cNvSpPr/>
+          <p:nvPr/>
+        </p:nvSpPr>
+        <p:spPr>
+          <a:xfrm>
+            <a:off x="2011758" y="3833254"/>
+            <a:ext cx="147738" cy="817116"/>
+          </a:xfrm>
+          <a:prstGeom prst="downArrow">
+            <a:avLst/>
+          </a:prstGeom>
+        </p:spPr>
+        <p:style>
+          <a:lnRef idx="2">
+            <a:schemeClr val="accent6">
+              <a:shade val="50000"/>
+            </a:schemeClr>
+          </a:lnRef>
+          <a:fillRef idx="1">
+            <a:schemeClr val="accent6"/>
+          </a:fillRef>
+          <a:effectRef idx="0">
+            <a:schemeClr val="accent6"/>
+          </a:effectRef>
+          <a:fontRef idx="minor">
+            <a:schemeClr val="lt1"/>
+          </a:fontRef>
+        </p:style>
+        <p:txBody>
+          <a:bodyPr lIns="0" rIns="0" rtlCol="0" anchor="ctr"/>
+          <a:lstStyle/>
+          <a:p>
+            <a:pPr algn="ctr"/>
+            <a:endParaRPr lang="en-US" sz="1400"/>
+          </a:p>
+        </p:txBody>
+      </p:sp>
+      <p:sp>
+        <p:nvSpPr>
+          <p:cNvPr id="12" name="Rounded Rectangle 11"/>
+          <p:cNvSpPr/>
+          <p:nvPr/>
+        </p:nvSpPr>
+        <p:spPr>
+          <a:xfrm>
+            <a:off x="1601333" y="3352800"/>
+            <a:ext cx="1267176" cy="480454"/>
+          </a:xfrm>
+          <a:prstGeom prst="roundRect">
+            <a:avLst>
+              <a:gd name="adj" fmla="val 20065"/>
+            </a:avLst>
+          </a:prstGeom>
+          <a:ln w="12700"/>
+        </p:spPr>
+        <p:style>
+          <a:lnRef idx="2">
+            <a:schemeClr val="accent4">
+              <a:shade val="50000"/>
+            </a:schemeClr>
+          </a:lnRef>
+          <a:fillRef idx="1">
+            <a:schemeClr val="accent4"/>
+          </a:fillRef>
+          <a:effectRef idx="0">
+            <a:schemeClr val="accent4"/>
+          </a:effectRef>
+          <a:fontRef idx="minor">
+            <a:schemeClr val="lt1"/>
+          </a:fontRef>
+        </p:style>
+        <p:txBody>
+          <a:bodyPr lIns="0" tIns="0" rIns="0" bIns="0" rtlCol="0" anchor="ctr"/>
+          <a:lstStyle/>
+          <a:p>
+            <a:pPr algn="ctr"/>
+            <a:r>
+              <a:rPr lang="en-US" sz="1050" dirty="0" smtClean="0"/>
+              <a:t>ROS dispatcher</a:t>
+            </a:r>
+            <a:endParaRPr lang="en-US" sz="1050" dirty="0"/>
+          </a:p>
+        </p:txBody>
+      </p:sp>
+      <p:sp>
+        <p:nvSpPr>
+          <p:cNvPr id="34" name="TextBox 33"/>
+          <p:cNvSpPr txBox="1"/>
+          <p:nvPr/>
+        </p:nvSpPr>
+        <p:spPr>
+          <a:xfrm>
+            <a:off x="464127" y="466498"/>
+            <a:ext cx="3111429" cy="369332"/>
+          </a:xfrm>
+          <a:prstGeom prst="rect">
+            <a:avLst/>
+          </a:prstGeom>
+          <a:noFill/>
+        </p:spPr>
+        <p:txBody>
+          <a:bodyPr wrap="none" rtlCol="0">
+            <a:spAutoFit/>
+          </a:bodyPr>
+          <a:lstStyle/>
+          <a:p>
+            <a:r>
+              <a:rPr lang="en-US" dirty="0" smtClean="0"/>
+              <a:t>Controller integration with ROS</a:t>
+            </a:r>
+            <a:endParaRPr lang="en-US" dirty="0"/>
+          </a:p>
+        </p:txBody>
+      </p:sp>
+      <p:sp>
+        <p:nvSpPr>
+          <p:cNvPr id="35" name="Rounded Rectangle 34"/>
+          <p:cNvSpPr/>
+          <p:nvPr/>
+        </p:nvSpPr>
+        <p:spPr>
+          <a:xfrm>
+            <a:off x="4143024" y="4000340"/>
+            <a:ext cx="1267176" cy="480454"/>
+          </a:xfrm>
+          <a:prstGeom prst="roundRect">
+            <a:avLst>
+              <a:gd name="adj" fmla="val 20065"/>
+            </a:avLst>
+          </a:prstGeom>
+          <a:ln w="12700"/>
+        </p:spPr>
+        <p:style>
+          <a:lnRef idx="2">
+            <a:schemeClr val="accent1">
+              <a:shade val="50000"/>
+            </a:schemeClr>
+          </a:lnRef>
+          <a:fillRef idx="1">
+            <a:schemeClr val="accent1"/>
+          </a:fillRef>
+          <a:effectRef idx="0">
+            <a:schemeClr val="accent1"/>
+          </a:effectRef>
+          <a:fontRef idx="minor">
+            <a:schemeClr val="lt1"/>
+          </a:fontRef>
+        </p:style>
+        <p:txBody>
+          <a:bodyPr lIns="0" tIns="0" rIns="0" bIns="0" rtlCol="0" anchor="ctr"/>
+          <a:lstStyle/>
+          <a:p>
+            <a:pPr algn="ctr"/>
+            <a:r>
+              <a:rPr lang="en-US" sz="1050" dirty="0" err="1" smtClean="0"/>
+              <a:t>Klamp’t</a:t>
+            </a:r>
+            <a:r>
+              <a:rPr lang="en-US" sz="1050" dirty="0" smtClean="0"/>
+              <a:t> </a:t>
+            </a:r>
+            <a:r>
+              <a:rPr lang="en-US" sz="1050" dirty="0" err="1" smtClean="0"/>
+              <a:t>SerialController</a:t>
+            </a:r>
+            <a:endParaRPr lang="en-US" sz="1050" dirty="0"/>
+          </a:p>
+        </p:txBody>
+      </p:sp>
+      <p:sp>
+        <p:nvSpPr>
+          <p:cNvPr id="36" name="Rounded Rectangle 35"/>
+          <p:cNvSpPr/>
+          <p:nvPr/>
+        </p:nvSpPr>
+        <p:spPr>
+          <a:xfrm>
+            <a:off x="1601333" y="1435683"/>
+            <a:ext cx="1267176" cy="480454"/>
+          </a:xfrm>
+          <a:prstGeom prst="roundRect">
+            <a:avLst>
+              <a:gd name="adj" fmla="val 20065"/>
+            </a:avLst>
+          </a:prstGeom>
+          <a:ln w="12700"/>
+        </p:spPr>
+        <p:style>
+          <a:lnRef idx="2">
+            <a:schemeClr val="accent4">
+              <a:shade val="50000"/>
+            </a:schemeClr>
+          </a:lnRef>
+          <a:fillRef idx="1">
+            <a:schemeClr val="accent4"/>
+          </a:fillRef>
+          <a:effectRef idx="0">
+            <a:schemeClr val="accent4"/>
+          </a:effectRef>
+          <a:fontRef idx="minor">
+            <a:schemeClr val="lt1"/>
+          </a:fontRef>
+        </p:style>
+        <p:txBody>
+          <a:bodyPr lIns="0" tIns="0" rIns="0" bIns="0" rtlCol="0" anchor="ctr"/>
+          <a:lstStyle/>
+          <a:p>
+            <a:pPr algn="ctr"/>
+            <a:r>
+              <a:rPr lang="en-US" sz="1050" dirty="0" smtClean="0"/>
+              <a:t>External c</a:t>
+            </a:r>
+            <a:r>
+              <a:rPr lang="en-US" sz="1050" dirty="0" smtClean="0"/>
+              <a:t>ontroller</a:t>
+            </a:r>
+            <a:endParaRPr lang="en-US" sz="1050" dirty="0"/>
+          </a:p>
+        </p:txBody>
+      </p:sp>
+      <p:sp>
+        <p:nvSpPr>
+          <p:cNvPr id="38" name="Down Arrow 37"/>
+          <p:cNvSpPr/>
+          <p:nvPr/>
+        </p:nvSpPr>
+        <p:spPr>
+          <a:xfrm>
+            <a:off x="4553504" y="3833254"/>
+            <a:ext cx="147738" cy="151306"/>
+          </a:xfrm>
+          <a:prstGeom prst="downArrow">
+            <a:avLst/>
+          </a:prstGeom>
+        </p:spPr>
+        <p:style>
+          <a:lnRef idx="2">
+            <a:schemeClr val="accent6">
+              <a:shade val="50000"/>
+            </a:schemeClr>
+          </a:lnRef>
+          <a:fillRef idx="1">
+            <a:schemeClr val="accent6"/>
+          </a:fillRef>
+          <a:effectRef idx="0">
+            <a:schemeClr val="accent6"/>
+          </a:effectRef>
+          <a:fontRef idx="minor">
+            <a:schemeClr val="lt1"/>
+          </a:fontRef>
+        </p:style>
+        <p:txBody>
+          <a:bodyPr lIns="0" rIns="0" rtlCol="0" anchor="ctr"/>
+          <a:lstStyle/>
+          <a:p>
+            <a:pPr algn="ctr"/>
+            <a:endParaRPr lang="en-US" sz="1400"/>
+          </a:p>
+        </p:txBody>
+      </p:sp>
+      <p:sp>
+        <p:nvSpPr>
+          <p:cNvPr id="39" name="Rectangle 38"/>
+          <p:cNvSpPr/>
+          <p:nvPr/>
+        </p:nvSpPr>
+        <p:spPr>
+          <a:xfrm>
+            <a:off x="1086964" y="2335665"/>
+            <a:ext cx="1199036" cy="641480"/>
+          </a:xfrm>
+          <a:prstGeom prst="rect">
+            <a:avLst/>
+          </a:prstGeom>
+        </p:spPr>
+        <p:style>
+          <a:lnRef idx="2">
+            <a:schemeClr val="accent2">
+              <a:shade val="50000"/>
+            </a:schemeClr>
+          </a:lnRef>
+          <a:fillRef idx="1">
+            <a:schemeClr val="accent2"/>
+          </a:fillRef>
+          <a:effectRef idx="0">
+            <a:schemeClr val="accent2"/>
+          </a:effectRef>
+          <a:fontRef idx="minor">
+            <a:schemeClr val="lt1"/>
+          </a:fontRef>
+        </p:style>
+        <p:txBody>
+          <a:bodyPr rtlCol="0" anchor="ctr"/>
+          <a:lstStyle/>
+          <a:p>
+            <a:pPr algn="ctr"/>
+            <a:r>
+              <a:rPr lang="en-US" sz="1200" dirty="0" smtClean="0"/>
+              <a:t>ROS </a:t>
+            </a:r>
+            <a:r>
+              <a:rPr lang="en-US" sz="1200" dirty="0" err="1" smtClean="0"/>
+              <a:t>joint_trajectory</a:t>
+            </a:r>
+            <a:r>
+              <a:rPr lang="en-US" sz="1200" dirty="0" smtClean="0"/>
+              <a:t> messages</a:t>
+            </a:r>
+            <a:endParaRPr lang="en-US" sz="1200" dirty="0"/>
+          </a:p>
+        </p:txBody>
+      </p:sp>
+      <p:sp>
+        <p:nvSpPr>
+          <p:cNvPr id="40" name="Rectangle 39"/>
+          <p:cNvSpPr/>
+          <p:nvPr/>
+        </p:nvSpPr>
+        <p:spPr>
+          <a:xfrm>
+            <a:off x="2390425" y="2335665"/>
+            <a:ext cx="962375" cy="641480"/>
+          </a:xfrm>
+          <a:prstGeom prst="rect">
+            <a:avLst/>
+          </a:prstGeom>
+        </p:spPr>
+        <p:style>
+          <a:lnRef idx="2">
+            <a:schemeClr val="accent2">
+              <a:shade val="50000"/>
+            </a:schemeClr>
+          </a:lnRef>
+          <a:fillRef idx="1">
+            <a:schemeClr val="accent2"/>
+          </a:fillRef>
+          <a:effectRef idx="0">
+            <a:schemeClr val="accent2"/>
+          </a:effectRef>
+          <a:fontRef idx="minor">
+            <a:schemeClr val="lt1"/>
+          </a:fontRef>
+        </p:style>
+        <p:txBody>
+          <a:bodyPr rtlCol="0" anchor="ctr"/>
+          <a:lstStyle/>
+          <a:p>
+            <a:pPr algn="ctr"/>
+            <a:r>
+              <a:rPr lang="en-US" sz="1200" dirty="0" smtClean="0"/>
+              <a:t>ROS </a:t>
+            </a:r>
+            <a:r>
+              <a:rPr lang="en-US" sz="1200" dirty="0" err="1" smtClean="0"/>
+              <a:t>joint_state</a:t>
+            </a:r>
+            <a:r>
+              <a:rPr lang="en-US" sz="1200" dirty="0" smtClean="0"/>
+              <a:t> messages</a:t>
+            </a:r>
+            <a:endParaRPr lang="en-US" sz="1200" dirty="0"/>
+          </a:p>
+        </p:txBody>
+      </p:sp>
+      <p:sp>
+        <p:nvSpPr>
+          <p:cNvPr id="48" name="Rounded Rectangle 47"/>
+          <p:cNvSpPr/>
+          <p:nvPr/>
+        </p:nvSpPr>
+        <p:spPr>
+          <a:xfrm>
+            <a:off x="1598560" y="4653145"/>
+            <a:ext cx="1267176" cy="480454"/>
+          </a:xfrm>
+          <a:prstGeom prst="roundRect">
+            <a:avLst>
+              <a:gd name="adj" fmla="val 20065"/>
+            </a:avLst>
+          </a:prstGeom>
+          <a:ln w="12700"/>
+        </p:spPr>
+        <p:style>
+          <a:lnRef idx="2">
+            <a:schemeClr val="accent4">
+              <a:shade val="50000"/>
+            </a:schemeClr>
+          </a:lnRef>
+          <a:fillRef idx="1">
+            <a:schemeClr val="accent4"/>
+          </a:fillRef>
+          <a:effectRef idx="0">
+            <a:schemeClr val="accent4"/>
+          </a:effectRef>
+          <a:fontRef idx="minor">
+            <a:schemeClr val="lt1"/>
+          </a:fontRef>
+        </p:style>
+        <p:txBody>
+          <a:bodyPr lIns="0" tIns="0" rIns="0" bIns="0" rtlCol="0" anchor="ctr"/>
+          <a:lstStyle/>
+          <a:p>
+            <a:pPr algn="ctr"/>
+            <a:r>
+              <a:rPr lang="en-US" sz="1050" dirty="0" smtClean="0"/>
+              <a:t>Physical robot</a:t>
+            </a:r>
+            <a:endParaRPr lang="en-US" sz="1050" dirty="0"/>
+          </a:p>
+        </p:txBody>
+      </p:sp>
+      <p:cxnSp>
+        <p:nvCxnSpPr>
+          <p:cNvPr id="50" name="Straight Arrow Connector 49"/>
+          <p:cNvCxnSpPr>
+            <a:stCxn id="39" idx="2"/>
+          </p:cNvCxnSpPr>
+          <p:nvPr/>
+        </p:nvCxnSpPr>
+        <p:spPr>
+          <a:xfrm>
+            <a:off x="1686482" y="2977145"/>
+            <a:ext cx="399145" cy="375655"/>
+          </a:xfrm>
+          <a:prstGeom prst="straightConnector1">
+            <a:avLst/>
+          </a:prstGeom>
+          <a:ln>
+            <a:tailEnd type="arrow"/>
+          </a:ln>
+        </p:spPr>
+        <p:style>
+          <a:lnRef idx="1">
+            <a:schemeClr val="accent1"/>
+          </a:lnRef>
+          <a:fillRef idx="0">
+            <a:schemeClr val="accent1"/>
+          </a:fillRef>
+          <a:effectRef idx="0">
+            <a:schemeClr val="accent1"/>
+          </a:effectRef>
+          <a:fontRef idx="minor">
+            <a:schemeClr val="tx1"/>
+          </a:fontRef>
+        </p:style>
+      </p:cxnSp>
+      <p:sp>
+        <p:nvSpPr>
+          <p:cNvPr id="52" name="Rounded Rectangle 51"/>
+          <p:cNvSpPr/>
+          <p:nvPr/>
+        </p:nvSpPr>
+        <p:spPr>
+          <a:xfrm>
+            <a:off x="6611257" y="3352800"/>
+            <a:ext cx="1267176" cy="480454"/>
+          </a:xfrm>
+          <a:prstGeom prst="roundRect">
+            <a:avLst>
+              <a:gd name="adj" fmla="val 20065"/>
+            </a:avLst>
+          </a:prstGeom>
+          <a:ln w="12700"/>
+        </p:spPr>
+        <p:style>
+          <a:lnRef idx="2">
+            <a:schemeClr val="accent1">
+              <a:shade val="50000"/>
+            </a:schemeClr>
+          </a:lnRef>
+          <a:fillRef idx="1">
+            <a:schemeClr val="accent1"/>
+          </a:fillRef>
+          <a:effectRef idx="0">
+            <a:schemeClr val="accent1"/>
+          </a:effectRef>
+          <a:fontRef idx="minor">
+            <a:schemeClr val="lt1"/>
+          </a:fontRef>
+        </p:style>
+        <p:txBody>
+          <a:bodyPr lIns="0" tIns="0" rIns="0" bIns="0" rtlCol="0" anchor="ctr"/>
+          <a:lstStyle/>
+          <a:p>
+            <a:pPr algn="ctr"/>
+            <a:r>
+              <a:rPr lang="en-US" sz="1050" dirty="0" smtClean="0"/>
+              <a:t>roscontroller.py</a:t>
+            </a:r>
+            <a:endParaRPr lang="en-US" sz="1050" dirty="0"/>
+          </a:p>
+        </p:txBody>
+      </p:sp>
+      <p:sp>
+        <p:nvSpPr>
+          <p:cNvPr id="56" name="Rounded Rectangle 55"/>
+          <p:cNvSpPr/>
+          <p:nvPr/>
+        </p:nvSpPr>
+        <p:spPr>
+          <a:xfrm>
+            <a:off x="4143024" y="3352800"/>
+            <a:ext cx="1267176" cy="480454"/>
+          </a:xfrm>
+          <a:prstGeom prst="roundRect">
+            <a:avLst>
+              <a:gd name="adj" fmla="val 20065"/>
+            </a:avLst>
+          </a:prstGeom>
+          <a:ln w="12700"/>
+        </p:spPr>
+        <p:style>
+          <a:lnRef idx="2">
+            <a:schemeClr val="accent1">
+              <a:shade val="50000"/>
+            </a:schemeClr>
+          </a:lnRef>
+          <a:fillRef idx="1">
+            <a:schemeClr val="accent1"/>
+          </a:fillRef>
+          <a:effectRef idx="0">
+            <a:schemeClr val="accent1"/>
+          </a:effectRef>
+          <a:fontRef idx="minor">
+            <a:schemeClr val="lt1"/>
+          </a:fontRef>
+        </p:style>
+        <p:txBody>
+          <a:bodyPr lIns="0" tIns="0" rIns="0" bIns="0" rtlCol="0" anchor="ctr"/>
+          <a:lstStyle/>
+          <a:p>
+            <a:pPr algn="ctr"/>
+            <a:r>
+              <a:rPr lang="en-US" sz="1050" dirty="0"/>
+              <a:t>r</a:t>
+            </a:r>
+            <a:r>
+              <a:rPr lang="en-US" sz="1050" dirty="0" smtClean="0"/>
+              <a:t>osserialrelay.py</a:t>
+            </a:r>
+            <a:endParaRPr lang="en-US" sz="1050" dirty="0"/>
+          </a:p>
+        </p:txBody>
+      </p:sp>
+      <p:sp>
+        <p:nvSpPr>
+          <p:cNvPr id="57" name="Rounded Rectangle 56"/>
+          <p:cNvSpPr/>
+          <p:nvPr/>
+        </p:nvSpPr>
+        <p:spPr>
+          <a:xfrm>
+            <a:off x="4143024" y="4650370"/>
+            <a:ext cx="1267176" cy="480454"/>
+          </a:xfrm>
+          <a:prstGeom prst="roundRect">
+            <a:avLst>
+              <a:gd name="adj" fmla="val 20065"/>
+            </a:avLst>
+          </a:prstGeom>
+          <a:ln w="12700"/>
+        </p:spPr>
+        <p:style>
+          <a:lnRef idx="2">
+            <a:schemeClr val="accent1">
+              <a:shade val="50000"/>
+            </a:schemeClr>
+          </a:lnRef>
+          <a:fillRef idx="1">
+            <a:schemeClr val="accent1"/>
+          </a:fillRef>
+          <a:effectRef idx="0">
+            <a:schemeClr val="accent1"/>
+          </a:effectRef>
+          <a:fontRef idx="minor">
+            <a:schemeClr val="lt1"/>
+          </a:fontRef>
+        </p:style>
+        <p:txBody>
+          <a:bodyPr lIns="0" tIns="0" rIns="0" bIns="0" rtlCol="0" anchor="ctr"/>
+          <a:lstStyle/>
+          <a:p>
+            <a:pPr algn="ctr"/>
+            <a:r>
+              <a:rPr lang="en-US" sz="1050" dirty="0" smtClean="0"/>
+              <a:t>Simulated robot (</a:t>
+            </a:r>
+            <a:r>
+              <a:rPr lang="en-US" sz="1050" dirty="0" err="1" smtClean="0"/>
+              <a:t>SimTest</a:t>
+            </a:r>
+            <a:r>
+              <a:rPr lang="en-US" sz="1050" dirty="0" smtClean="0"/>
+              <a:t>, </a:t>
+            </a:r>
+            <a:r>
+              <a:rPr lang="en-US" sz="1050" dirty="0" smtClean="0"/>
+              <a:t>simtest.py, etc.)</a:t>
+            </a:r>
+            <a:endParaRPr lang="en-US" sz="1050" dirty="0"/>
+          </a:p>
+        </p:txBody>
+      </p:sp>
+      <p:sp>
+        <p:nvSpPr>
+          <p:cNvPr id="58" name="Down Arrow 57"/>
+          <p:cNvSpPr/>
+          <p:nvPr/>
+        </p:nvSpPr>
+        <p:spPr>
+          <a:xfrm>
+            <a:off x="4553504" y="4499064"/>
+            <a:ext cx="147738" cy="151306"/>
+          </a:xfrm>
+          <a:prstGeom prst="downArrow">
+            <a:avLst/>
+          </a:prstGeom>
+        </p:spPr>
+        <p:style>
+          <a:lnRef idx="2">
+            <a:schemeClr val="accent6">
+              <a:shade val="50000"/>
+            </a:schemeClr>
+          </a:lnRef>
+          <a:fillRef idx="1">
+            <a:schemeClr val="accent6"/>
+          </a:fillRef>
+          <a:effectRef idx="0">
+            <a:schemeClr val="accent6"/>
+          </a:effectRef>
+          <a:fontRef idx="minor">
+            <a:schemeClr val="lt1"/>
+          </a:fontRef>
+        </p:style>
+        <p:txBody>
+          <a:bodyPr lIns="0" rIns="0" rtlCol="0" anchor="ctr"/>
+          <a:lstStyle/>
+          <a:p>
+            <a:pPr algn="ctr"/>
+            <a:endParaRPr lang="en-US" sz="1400"/>
+          </a:p>
+        </p:txBody>
+      </p:sp>
+      <p:sp>
+        <p:nvSpPr>
+          <p:cNvPr id="59" name="Rounded Rectangle 58"/>
+          <p:cNvSpPr/>
+          <p:nvPr/>
+        </p:nvSpPr>
+        <p:spPr>
+          <a:xfrm>
+            <a:off x="6611257" y="4653145"/>
+            <a:ext cx="1267176" cy="480454"/>
+          </a:xfrm>
+          <a:prstGeom prst="roundRect">
+            <a:avLst>
+              <a:gd name="adj" fmla="val 20065"/>
+            </a:avLst>
+          </a:prstGeom>
+          <a:ln w="12700"/>
+        </p:spPr>
+        <p:style>
+          <a:lnRef idx="2">
+            <a:schemeClr val="accent1">
+              <a:shade val="50000"/>
+            </a:schemeClr>
+          </a:lnRef>
+          <a:fillRef idx="1">
+            <a:schemeClr val="accent1"/>
+          </a:fillRef>
+          <a:effectRef idx="0">
+            <a:schemeClr val="accent1"/>
+          </a:effectRef>
+          <a:fontRef idx="minor">
+            <a:schemeClr val="lt1"/>
+          </a:fontRef>
+        </p:style>
+        <p:txBody>
+          <a:bodyPr lIns="0" tIns="0" rIns="0" bIns="0" rtlCol="0" anchor="ctr"/>
+          <a:lstStyle/>
+          <a:p>
+            <a:pPr algn="ctr"/>
+            <a:r>
+              <a:rPr lang="en-US" sz="1050" dirty="0" smtClean="0"/>
+              <a:t>Simulated robot in simtest.py</a:t>
+            </a:r>
+            <a:endParaRPr lang="en-US" sz="1050" dirty="0"/>
+          </a:p>
+        </p:txBody>
+      </p:sp>
+      <p:cxnSp>
+        <p:nvCxnSpPr>
+          <p:cNvPr id="69" name="Straight Arrow Connector 68"/>
+          <p:cNvCxnSpPr>
+            <a:endCxn id="40" idx="2"/>
+          </p:cNvCxnSpPr>
+          <p:nvPr/>
+        </p:nvCxnSpPr>
+        <p:spPr>
+          <a:xfrm flipV="1">
+            <a:off x="2565559" y="2977145"/>
+            <a:ext cx="306054" cy="375655"/>
+          </a:xfrm>
+          <a:prstGeom prst="straightConnector1">
+            <a:avLst/>
+          </a:prstGeom>
+          <a:ln>
+            <a:tailEnd type="arrow"/>
+          </a:ln>
+        </p:spPr>
+        <p:style>
+          <a:lnRef idx="1">
+            <a:schemeClr val="accent1"/>
+          </a:lnRef>
+          <a:fillRef idx="0">
+            <a:schemeClr val="accent1"/>
+          </a:fillRef>
+          <a:effectRef idx="0">
+            <a:schemeClr val="accent1"/>
+          </a:effectRef>
+          <a:fontRef idx="minor">
+            <a:schemeClr val="tx1"/>
+          </a:fontRef>
+        </p:style>
+      </p:cxnSp>
+      <p:cxnSp>
+        <p:nvCxnSpPr>
+          <p:cNvPr id="74" name="Straight Arrow Connector 73"/>
+          <p:cNvCxnSpPr>
+            <a:stCxn id="40" idx="0"/>
+          </p:cNvCxnSpPr>
+          <p:nvPr/>
+        </p:nvCxnSpPr>
+        <p:spPr>
+          <a:xfrm flipH="1" flipV="1">
+            <a:off x="2514687" y="1916137"/>
+            <a:ext cx="356926" cy="419528"/>
+          </a:xfrm>
+          <a:prstGeom prst="straightConnector1">
+            <a:avLst/>
+          </a:prstGeom>
+          <a:ln>
+            <a:tailEnd type="arrow"/>
+          </a:ln>
+        </p:spPr>
+        <p:style>
+          <a:lnRef idx="1">
+            <a:schemeClr val="accent1"/>
+          </a:lnRef>
+          <a:fillRef idx="0">
+            <a:schemeClr val="accent1"/>
+          </a:fillRef>
+          <a:effectRef idx="0">
+            <a:schemeClr val="accent1"/>
+          </a:effectRef>
+          <a:fontRef idx="minor">
+            <a:schemeClr val="tx1"/>
+          </a:fontRef>
+        </p:style>
+      </p:cxnSp>
+      <p:cxnSp>
+        <p:nvCxnSpPr>
+          <p:cNvPr id="78" name="Straight Arrow Connector 77"/>
+          <p:cNvCxnSpPr>
+            <a:endCxn id="39" idx="0"/>
+          </p:cNvCxnSpPr>
+          <p:nvPr/>
+        </p:nvCxnSpPr>
+        <p:spPr>
+          <a:xfrm flipH="1">
+            <a:off x="1686482" y="1916137"/>
+            <a:ext cx="333359" cy="419528"/>
+          </a:xfrm>
+          <a:prstGeom prst="straightConnector1">
+            <a:avLst/>
+          </a:prstGeom>
+          <a:ln>
+            <a:tailEnd type="arrow"/>
+          </a:ln>
+        </p:spPr>
+        <p:style>
+          <a:lnRef idx="1">
+            <a:schemeClr val="accent1"/>
+          </a:lnRef>
+          <a:fillRef idx="0">
+            <a:schemeClr val="accent1"/>
+          </a:fillRef>
+          <a:effectRef idx="0">
+            <a:schemeClr val="accent1"/>
+          </a:effectRef>
+          <a:fontRef idx="minor">
+            <a:schemeClr val="tx1"/>
+          </a:fontRef>
+        </p:style>
+      </p:cxnSp>
+      <p:sp>
+        <p:nvSpPr>
+          <p:cNvPr id="109" name="Down Arrow 108"/>
+          <p:cNvSpPr/>
+          <p:nvPr/>
+        </p:nvSpPr>
+        <p:spPr>
+          <a:xfrm rot="10800000">
+            <a:off x="2290748" y="3833254"/>
+            <a:ext cx="147738" cy="817116"/>
+          </a:xfrm>
+          <a:prstGeom prst="downArrow">
+            <a:avLst/>
+          </a:prstGeom>
+        </p:spPr>
+        <p:style>
+          <a:lnRef idx="2">
+            <a:schemeClr val="accent6">
+              <a:shade val="50000"/>
+            </a:schemeClr>
+          </a:lnRef>
+          <a:fillRef idx="1">
+            <a:schemeClr val="accent6"/>
+          </a:fillRef>
+          <a:effectRef idx="0">
+            <a:schemeClr val="accent6"/>
+          </a:effectRef>
+          <a:fontRef idx="minor">
+            <a:schemeClr val="lt1"/>
+          </a:fontRef>
+        </p:style>
+        <p:txBody>
+          <a:bodyPr lIns="0" rIns="0" rtlCol="0" anchor="ctr"/>
+          <a:lstStyle/>
+          <a:p>
+            <a:pPr algn="ctr"/>
+            <a:endParaRPr lang="en-US" sz="1400"/>
+          </a:p>
+        </p:txBody>
+      </p:sp>
+      <p:sp>
+        <p:nvSpPr>
+          <p:cNvPr id="110" name="Down Arrow 109"/>
+          <p:cNvSpPr/>
+          <p:nvPr/>
+        </p:nvSpPr>
+        <p:spPr>
+          <a:xfrm rot="10800000">
+            <a:off x="7262332" y="3826327"/>
+            <a:ext cx="147738" cy="817116"/>
+          </a:xfrm>
+          <a:prstGeom prst="downArrow">
+            <a:avLst/>
+          </a:prstGeom>
+        </p:spPr>
+        <p:style>
+          <a:lnRef idx="2">
+            <a:schemeClr val="accent6">
+              <a:shade val="50000"/>
+            </a:schemeClr>
+          </a:lnRef>
+          <a:fillRef idx="1">
+            <a:schemeClr val="accent6"/>
+          </a:fillRef>
+          <a:effectRef idx="0">
+            <a:schemeClr val="accent6"/>
+          </a:effectRef>
+          <a:fontRef idx="minor">
+            <a:schemeClr val="lt1"/>
+          </a:fontRef>
+        </p:style>
+        <p:txBody>
+          <a:bodyPr lIns="0" rIns="0" rtlCol="0" anchor="ctr"/>
+          <a:lstStyle/>
+          <a:p>
+            <a:pPr algn="ctr"/>
+            <a:endParaRPr lang="en-US" sz="1400"/>
+          </a:p>
+        </p:txBody>
+      </p:sp>
+      <p:sp>
+        <p:nvSpPr>
+          <p:cNvPr id="111" name="Down Arrow 110"/>
+          <p:cNvSpPr/>
+          <p:nvPr/>
+        </p:nvSpPr>
+        <p:spPr>
+          <a:xfrm rot="10800000">
+            <a:off x="4804750" y="3849034"/>
+            <a:ext cx="147738" cy="151306"/>
+          </a:xfrm>
+          <a:prstGeom prst="downArrow">
+            <a:avLst/>
+          </a:prstGeom>
+        </p:spPr>
+        <p:style>
+          <a:lnRef idx="2">
+            <a:schemeClr val="accent6">
+              <a:shade val="50000"/>
+            </a:schemeClr>
+          </a:lnRef>
+          <a:fillRef idx="1">
+            <a:schemeClr val="accent6"/>
+          </a:fillRef>
+          <a:effectRef idx="0">
+            <a:schemeClr val="accent6"/>
+          </a:effectRef>
+          <a:fontRef idx="minor">
+            <a:schemeClr val="lt1"/>
+          </a:fontRef>
+        </p:style>
+        <p:txBody>
+          <a:bodyPr lIns="0" rIns="0" rtlCol="0" anchor="ctr"/>
+          <a:lstStyle/>
+          <a:p>
+            <a:pPr algn="ctr"/>
+            <a:endParaRPr lang="en-US" sz="1400"/>
+          </a:p>
+        </p:txBody>
+      </p:sp>
+      <p:sp>
+        <p:nvSpPr>
+          <p:cNvPr id="112" name="Down Arrow 111"/>
+          <p:cNvSpPr/>
+          <p:nvPr/>
+        </p:nvSpPr>
+        <p:spPr>
+          <a:xfrm rot="10800000">
+            <a:off x="4804750" y="4495800"/>
+            <a:ext cx="147738" cy="151306"/>
+          </a:xfrm>
+          <a:prstGeom prst="downArrow">
+            <a:avLst/>
+          </a:prstGeom>
+        </p:spPr>
+        <p:style>
+          <a:lnRef idx="2">
+            <a:schemeClr val="accent6">
+              <a:shade val="50000"/>
+            </a:schemeClr>
+          </a:lnRef>
+          <a:fillRef idx="1">
+            <a:schemeClr val="accent6"/>
+          </a:fillRef>
+          <a:effectRef idx="0">
+            <a:schemeClr val="accent6"/>
+          </a:effectRef>
+          <a:fontRef idx="minor">
+            <a:schemeClr val="lt1"/>
+          </a:fontRef>
+        </p:style>
+        <p:txBody>
+          <a:bodyPr lIns="0" rIns="0" rtlCol="0" anchor="ctr"/>
+          <a:lstStyle/>
+          <a:p>
+            <a:pPr algn="ctr"/>
+            <a:endParaRPr lang="en-US" sz="1400"/>
+          </a:p>
+        </p:txBody>
+      </p:sp>
+      <p:sp>
+        <p:nvSpPr>
+          <p:cNvPr id="113" name="TextBox 112"/>
+          <p:cNvSpPr txBox="1"/>
+          <p:nvPr/>
+        </p:nvSpPr>
+        <p:spPr>
+          <a:xfrm>
+            <a:off x="3898134" y="1158729"/>
+            <a:ext cx="1447319" cy="276999"/>
+          </a:xfrm>
+          <a:prstGeom prst="rect">
+            <a:avLst/>
+          </a:prstGeom>
+          <a:noFill/>
+        </p:spPr>
+        <p:txBody>
+          <a:bodyPr wrap="none" rtlCol="0">
+            <a:spAutoFit/>
+          </a:bodyPr>
+          <a:lstStyle/>
+          <a:p>
+            <a:r>
+              <a:rPr lang="en-US" sz="1200" dirty="0" smtClean="0"/>
+              <a:t>Simulation, option 1</a:t>
+            </a:r>
+            <a:endParaRPr lang="en-US" sz="1200" dirty="0"/>
+          </a:p>
+        </p:txBody>
+      </p:sp>
+      <p:sp>
+        <p:nvSpPr>
+          <p:cNvPr id="114" name="TextBox 113"/>
+          <p:cNvSpPr txBox="1"/>
+          <p:nvPr/>
+        </p:nvSpPr>
+        <p:spPr>
+          <a:xfrm>
+            <a:off x="6477000" y="1158729"/>
+            <a:ext cx="1447319" cy="276999"/>
+          </a:xfrm>
+          <a:prstGeom prst="rect">
+            <a:avLst/>
+          </a:prstGeom>
+          <a:noFill/>
+        </p:spPr>
+        <p:txBody>
+          <a:bodyPr wrap="none" rtlCol="0">
+            <a:spAutoFit/>
+          </a:bodyPr>
+          <a:lstStyle/>
+          <a:p>
+            <a:r>
+              <a:rPr lang="en-US" sz="1200" dirty="0" smtClean="0"/>
+              <a:t>Simulation, option 2</a:t>
+            </a:r>
+            <a:endParaRPr lang="en-US" sz="1200" dirty="0"/>
+          </a:p>
+        </p:txBody>
+      </p:sp>
+      <p:sp>
+        <p:nvSpPr>
+          <p:cNvPr id="115" name="TextBox 114"/>
+          <p:cNvSpPr txBox="1"/>
+          <p:nvPr/>
+        </p:nvSpPr>
+        <p:spPr>
+          <a:xfrm>
+            <a:off x="1707596" y="1158729"/>
+            <a:ext cx="1059842" cy="276999"/>
+          </a:xfrm>
+          <a:prstGeom prst="rect">
+            <a:avLst/>
+          </a:prstGeom>
+          <a:noFill/>
+        </p:spPr>
+        <p:txBody>
+          <a:bodyPr wrap="none" rtlCol="0">
+            <a:spAutoFit/>
+          </a:bodyPr>
+          <a:lstStyle/>
+          <a:p>
+            <a:r>
+              <a:rPr lang="en-US" sz="1200" dirty="0" smtClean="0"/>
+              <a:t>Physical robot</a:t>
+            </a:r>
+            <a:endParaRPr lang="en-US" sz="1200" dirty="0"/>
+          </a:p>
+        </p:txBody>
+      </p:sp>
+      <p:sp>
+        <p:nvSpPr>
+          <p:cNvPr id="142" name="Rounded Rectangle 141"/>
+          <p:cNvSpPr/>
+          <p:nvPr/>
+        </p:nvSpPr>
+        <p:spPr>
+          <a:xfrm>
+            <a:off x="4060726" y="1435683"/>
+            <a:ext cx="1267176" cy="480454"/>
+          </a:xfrm>
+          <a:prstGeom prst="roundRect">
+            <a:avLst>
+              <a:gd name="adj" fmla="val 20065"/>
+            </a:avLst>
+          </a:prstGeom>
+          <a:ln w="12700"/>
+        </p:spPr>
+        <p:style>
+          <a:lnRef idx="2">
+            <a:schemeClr val="accent4">
+              <a:shade val="50000"/>
+            </a:schemeClr>
+          </a:lnRef>
+          <a:fillRef idx="1">
+            <a:schemeClr val="accent4"/>
+          </a:fillRef>
+          <a:effectRef idx="0">
+            <a:schemeClr val="accent4"/>
+          </a:effectRef>
+          <a:fontRef idx="minor">
+            <a:schemeClr val="lt1"/>
+          </a:fontRef>
+        </p:style>
+        <p:txBody>
+          <a:bodyPr lIns="0" tIns="0" rIns="0" bIns="0" rtlCol="0" anchor="ctr"/>
+          <a:lstStyle/>
+          <a:p>
+            <a:pPr algn="ctr"/>
+            <a:r>
+              <a:rPr lang="en-US" sz="1050" dirty="0" smtClean="0"/>
+              <a:t>External c</a:t>
+            </a:r>
+            <a:r>
+              <a:rPr lang="en-US" sz="1050" dirty="0" smtClean="0"/>
+              <a:t>ontroller</a:t>
+            </a:r>
+            <a:endParaRPr lang="en-US" sz="1050" dirty="0"/>
+          </a:p>
+        </p:txBody>
+      </p:sp>
+      <p:sp>
+        <p:nvSpPr>
+          <p:cNvPr id="143" name="Rectangle 142"/>
+          <p:cNvSpPr/>
+          <p:nvPr/>
+        </p:nvSpPr>
+        <p:spPr>
+          <a:xfrm>
+            <a:off x="3546357" y="2335665"/>
+            <a:ext cx="1199036" cy="641480"/>
+          </a:xfrm>
+          <a:prstGeom prst="rect">
+            <a:avLst/>
+          </a:prstGeom>
+        </p:spPr>
+        <p:style>
+          <a:lnRef idx="2">
+            <a:schemeClr val="accent2">
+              <a:shade val="50000"/>
+            </a:schemeClr>
+          </a:lnRef>
+          <a:fillRef idx="1">
+            <a:schemeClr val="accent2"/>
+          </a:fillRef>
+          <a:effectRef idx="0">
+            <a:schemeClr val="accent2"/>
+          </a:effectRef>
+          <a:fontRef idx="minor">
+            <a:schemeClr val="lt1"/>
+          </a:fontRef>
+        </p:style>
+        <p:txBody>
+          <a:bodyPr rtlCol="0" anchor="ctr"/>
+          <a:lstStyle/>
+          <a:p>
+            <a:pPr algn="ctr"/>
+            <a:r>
+              <a:rPr lang="en-US" sz="1200" dirty="0" smtClean="0"/>
+              <a:t>ROS </a:t>
+            </a:r>
+            <a:r>
+              <a:rPr lang="en-US" sz="1200" dirty="0" err="1" smtClean="0"/>
+              <a:t>joint_trajectory</a:t>
+            </a:r>
+            <a:r>
+              <a:rPr lang="en-US" sz="1200" dirty="0" smtClean="0"/>
+              <a:t> messages</a:t>
+            </a:r>
+            <a:endParaRPr lang="en-US" sz="1200" dirty="0"/>
+          </a:p>
+        </p:txBody>
+      </p:sp>
+      <p:sp>
+        <p:nvSpPr>
+          <p:cNvPr id="144" name="Rectangle 143"/>
+          <p:cNvSpPr/>
+          <p:nvPr/>
+        </p:nvSpPr>
+        <p:spPr>
+          <a:xfrm>
+            <a:off x="4849818" y="2335665"/>
+            <a:ext cx="962375" cy="641480"/>
+          </a:xfrm>
+          <a:prstGeom prst="rect">
+            <a:avLst/>
+          </a:prstGeom>
+        </p:spPr>
+        <p:style>
+          <a:lnRef idx="2">
+            <a:schemeClr val="accent2">
+              <a:shade val="50000"/>
+            </a:schemeClr>
+          </a:lnRef>
+          <a:fillRef idx="1">
+            <a:schemeClr val="accent2"/>
+          </a:fillRef>
+          <a:effectRef idx="0">
+            <a:schemeClr val="accent2"/>
+          </a:effectRef>
+          <a:fontRef idx="minor">
+            <a:schemeClr val="lt1"/>
+          </a:fontRef>
+        </p:style>
+        <p:txBody>
+          <a:bodyPr rtlCol="0" anchor="ctr"/>
+          <a:lstStyle/>
+          <a:p>
+            <a:pPr algn="ctr"/>
+            <a:r>
+              <a:rPr lang="en-US" sz="1200" dirty="0" smtClean="0"/>
+              <a:t>ROS </a:t>
+            </a:r>
+            <a:r>
+              <a:rPr lang="en-US" sz="1200" dirty="0" err="1" smtClean="0"/>
+              <a:t>joint_state</a:t>
+            </a:r>
+            <a:r>
+              <a:rPr lang="en-US" sz="1200" dirty="0" smtClean="0"/>
+              <a:t> messages</a:t>
+            </a:r>
+            <a:endParaRPr lang="en-US" sz="1200" dirty="0"/>
+          </a:p>
+        </p:txBody>
+      </p:sp>
+      <p:cxnSp>
+        <p:nvCxnSpPr>
+          <p:cNvPr id="145" name="Straight Arrow Connector 144"/>
+          <p:cNvCxnSpPr>
+            <a:stCxn id="143" idx="2"/>
+          </p:cNvCxnSpPr>
+          <p:nvPr/>
+        </p:nvCxnSpPr>
+        <p:spPr>
+          <a:xfrm>
+            <a:off x="4145875" y="2977145"/>
+            <a:ext cx="399145" cy="375655"/>
+          </a:xfrm>
+          <a:prstGeom prst="straightConnector1">
+            <a:avLst/>
+          </a:prstGeom>
+          <a:ln>
+            <a:tailEnd type="arrow"/>
+          </a:ln>
+        </p:spPr>
+        <p:style>
+          <a:lnRef idx="1">
+            <a:schemeClr val="accent1"/>
+          </a:lnRef>
+          <a:fillRef idx="0">
+            <a:schemeClr val="accent1"/>
+          </a:fillRef>
+          <a:effectRef idx="0">
+            <a:schemeClr val="accent1"/>
+          </a:effectRef>
+          <a:fontRef idx="minor">
+            <a:schemeClr val="tx1"/>
+          </a:fontRef>
+        </p:style>
+      </p:cxnSp>
+      <p:cxnSp>
+        <p:nvCxnSpPr>
+          <p:cNvPr id="146" name="Straight Arrow Connector 145"/>
+          <p:cNvCxnSpPr>
+            <a:endCxn id="144" idx="2"/>
+          </p:cNvCxnSpPr>
+          <p:nvPr/>
+        </p:nvCxnSpPr>
+        <p:spPr>
+          <a:xfrm flipV="1">
+            <a:off x="5024952" y="2977145"/>
+            <a:ext cx="306054" cy="375655"/>
+          </a:xfrm>
+          <a:prstGeom prst="straightConnector1">
+            <a:avLst/>
+          </a:prstGeom>
+          <a:ln>
+            <a:tailEnd type="arrow"/>
+          </a:ln>
+        </p:spPr>
+        <p:style>
+          <a:lnRef idx="1">
+            <a:schemeClr val="accent1"/>
+          </a:lnRef>
+          <a:fillRef idx="0">
+            <a:schemeClr val="accent1"/>
+          </a:fillRef>
+          <a:effectRef idx="0">
+            <a:schemeClr val="accent1"/>
+          </a:effectRef>
+          <a:fontRef idx="minor">
+            <a:schemeClr val="tx1"/>
+          </a:fontRef>
+        </p:style>
+      </p:cxnSp>
+      <p:cxnSp>
+        <p:nvCxnSpPr>
+          <p:cNvPr id="147" name="Straight Arrow Connector 146"/>
+          <p:cNvCxnSpPr>
+            <a:stCxn id="144" idx="0"/>
+          </p:cNvCxnSpPr>
+          <p:nvPr/>
+        </p:nvCxnSpPr>
+        <p:spPr>
+          <a:xfrm flipH="1" flipV="1">
+            <a:off x="4974080" y="1916137"/>
+            <a:ext cx="356926" cy="419528"/>
+          </a:xfrm>
+          <a:prstGeom prst="straightConnector1">
+            <a:avLst/>
+          </a:prstGeom>
+          <a:ln>
+            <a:tailEnd type="arrow"/>
+          </a:ln>
+        </p:spPr>
+        <p:style>
+          <a:lnRef idx="1">
+            <a:schemeClr val="accent1"/>
+          </a:lnRef>
+          <a:fillRef idx="0">
+            <a:schemeClr val="accent1"/>
+          </a:fillRef>
+          <a:effectRef idx="0">
+            <a:schemeClr val="accent1"/>
+          </a:effectRef>
+          <a:fontRef idx="minor">
+            <a:schemeClr val="tx1"/>
+          </a:fontRef>
+        </p:style>
+      </p:cxnSp>
+      <p:cxnSp>
+        <p:nvCxnSpPr>
+          <p:cNvPr id="148" name="Straight Arrow Connector 147"/>
+          <p:cNvCxnSpPr>
+            <a:endCxn id="143" idx="0"/>
+          </p:cNvCxnSpPr>
+          <p:nvPr/>
+        </p:nvCxnSpPr>
+        <p:spPr>
+          <a:xfrm flipH="1">
+            <a:off x="4145875" y="1916137"/>
+            <a:ext cx="333359" cy="419528"/>
+          </a:xfrm>
+          <a:prstGeom prst="straightConnector1">
+            <a:avLst/>
+          </a:prstGeom>
+          <a:ln>
+            <a:tailEnd type="arrow"/>
+          </a:ln>
+        </p:spPr>
+        <p:style>
+          <a:lnRef idx="1">
+            <a:schemeClr val="accent1"/>
+          </a:lnRef>
+          <a:fillRef idx="0">
+            <a:schemeClr val="accent1"/>
+          </a:fillRef>
+          <a:effectRef idx="0">
+            <a:schemeClr val="accent1"/>
+          </a:effectRef>
+          <a:fontRef idx="minor">
+            <a:schemeClr val="tx1"/>
+          </a:fontRef>
+        </p:style>
+      </p:cxnSp>
+      <p:sp>
+        <p:nvSpPr>
+          <p:cNvPr id="149" name="Rounded Rectangle 148"/>
+          <p:cNvSpPr/>
+          <p:nvPr/>
+        </p:nvSpPr>
+        <p:spPr>
+          <a:xfrm>
+            <a:off x="6526108" y="1435683"/>
+            <a:ext cx="1267176" cy="480454"/>
+          </a:xfrm>
+          <a:prstGeom prst="roundRect">
+            <a:avLst>
+              <a:gd name="adj" fmla="val 20065"/>
+            </a:avLst>
+          </a:prstGeom>
+          <a:ln w="12700"/>
+        </p:spPr>
+        <p:style>
+          <a:lnRef idx="2">
+            <a:schemeClr val="accent4">
+              <a:shade val="50000"/>
+            </a:schemeClr>
+          </a:lnRef>
+          <a:fillRef idx="1">
+            <a:schemeClr val="accent4"/>
+          </a:fillRef>
+          <a:effectRef idx="0">
+            <a:schemeClr val="accent4"/>
+          </a:effectRef>
+          <a:fontRef idx="minor">
+            <a:schemeClr val="lt1"/>
+          </a:fontRef>
+        </p:style>
+        <p:txBody>
+          <a:bodyPr lIns="0" tIns="0" rIns="0" bIns="0" rtlCol="0" anchor="ctr"/>
+          <a:lstStyle/>
+          <a:p>
+            <a:pPr algn="ctr"/>
+            <a:r>
+              <a:rPr lang="en-US" sz="1050" dirty="0" smtClean="0"/>
+              <a:t>External c</a:t>
+            </a:r>
+            <a:r>
+              <a:rPr lang="en-US" sz="1050" dirty="0" smtClean="0"/>
+              <a:t>ontroller</a:t>
+            </a:r>
+            <a:endParaRPr lang="en-US" sz="1050" dirty="0"/>
+          </a:p>
+        </p:txBody>
+      </p:sp>
+      <p:sp>
+        <p:nvSpPr>
+          <p:cNvPr id="150" name="Rectangle 149"/>
+          <p:cNvSpPr/>
+          <p:nvPr/>
+        </p:nvSpPr>
+        <p:spPr>
+          <a:xfrm>
+            <a:off x="6011739" y="2335665"/>
+            <a:ext cx="1199036" cy="641480"/>
+          </a:xfrm>
+          <a:prstGeom prst="rect">
+            <a:avLst/>
+          </a:prstGeom>
+        </p:spPr>
+        <p:style>
+          <a:lnRef idx="2">
+            <a:schemeClr val="accent2">
+              <a:shade val="50000"/>
+            </a:schemeClr>
+          </a:lnRef>
+          <a:fillRef idx="1">
+            <a:schemeClr val="accent2"/>
+          </a:fillRef>
+          <a:effectRef idx="0">
+            <a:schemeClr val="accent2"/>
+          </a:effectRef>
+          <a:fontRef idx="minor">
+            <a:schemeClr val="lt1"/>
+          </a:fontRef>
+        </p:style>
+        <p:txBody>
+          <a:bodyPr rtlCol="0" anchor="ctr"/>
+          <a:lstStyle/>
+          <a:p>
+            <a:pPr algn="ctr"/>
+            <a:r>
+              <a:rPr lang="en-US" sz="1200" dirty="0" smtClean="0"/>
+              <a:t>ROS </a:t>
+            </a:r>
+            <a:r>
+              <a:rPr lang="en-US" sz="1200" dirty="0" err="1" smtClean="0"/>
+              <a:t>joint_trajectory</a:t>
+            </a:r>
+            <a:r>
+              <a:rPr lang="en-US" sz="1200" dirty="0" smtClean="0"/>
+              <a:t> messages</a:t>
+            </a:r>
+            <a:endParaRPr lang="en-US" sz="1200" dirty="0"/>
+          </a:p>
+        </p:txBody>
+      </p:sp>
+      <p:sp>
+        <p:nvSpPr>
+          <p:cNvPr id="151" name="Rectangle 150"/>
+          <p:cNvSpPr/>
+          <p:nvPr/>
+        </p:nvSpPr>
+        <p:spPr>
+          <a:xfrm>
+            <a:off x="7315200" y="2335665"/>
+            <a:ext cx="962375" cy="641480"/>
+          </a:xfrm>
+          <a:prstGeom prst="rect">
+            <a:avLst/>
+          </a:prstGeom>
+        </p:spPr>
+        <p:style>
+          <a:lnRef idx="2">
+            <a:schemeClr val="accent2">
+              <a:shade val="50000"/>
+            </a:schemeClr>
+          </a:lnRef>
+          <a:fillRef idx="1">
+            <a:schemeClr val="accent2"/>
+          </a:fillRef>
+          <a:effectRef idx="0">
+            <a:schemeClr val="accent2"/>
+          </a:effectRef>
+          <a:fontRef idx="minor">
+            <a:schemeClr val="lt1"/>
+          </a:fontRef>
+        </p:style>
+        <p:txBody>
+          <a:bodyPr rtlCol="0" anchor="ctr"/>
+          <a:lstStyle/>
+          <a:p>
+            <a:pPr algn="ctr"/>
+            <a:r>
+              <a:rPr lang="en-US" sz="1200" dirty="0" smtClean="0"/>
+              <a:t>ROS </a:t>
+            </a:r>
+            <a:r>
+              <a:rPr lang="en-US" sz="1200" dirty="0" err="1" smtClean="0"/>
+              <a:t>joint_state</a:t>
+            </a:r>
+            <a:r>
+              <a:rPr lang="en-US" sz="1200" dirty="0" smtClean="0"/>
+              <a:t> messages</a:t>
+            </a:r>
+            <a:endParaRPr lang="en-US" sz="1200" dirty="0"/>
+          </a:p>
+        </p:txBody>
+      </p:sp>
+      <p:cxnSp>
+        <p:nvCxnSpPr>
+          <p:cNvPr id="152" name="Straight Arrow Connector 151"/>
+          <p:cNvCxnSpPr>
+            <a:stCxn id="150" idx="2"/>
+          </p:cNvCxnSpPr>
+          <p:nvPr/>
+        </p:nvCxnSpPr>
+        <p:spPr>
+          <a:xfrm>
+            <a:off x="6611257" y="2977145"/>
+            <a:ext cx="399145" cy="375655"/>
+          </a:xfrm>
+          <a:prstGeom prst="straightConnector1">
+            <a:avLst/>
+          </a:prstGeom>
+          <a:ln>
+            <a:tailEnd type="arrow"/>
+          </a:ln>
+        </p:spPr>
+        <p:style>
+          <a:lnRef idx="1">
+            <a:schemeClr val="accent1"/>
+          </a:lnRef>
+          <a:fillRef idx="0">
+            <a:schemeClr val="accent1"/>
+          </a:fillRef>
+          <a:effectRef idx="0">
+            <a:schemeClr val="accent1"/>
+          </a:effectRef>
+          <a:fontRef idx="minor">
+            <a:schemeClr val="tx1"/>
+          </a:fontRef>
+        </p:style>
+      </p:cxnSp>
+      <p:cxnSp>
+        <p:nvCxnSpPr>
+          <p:cNvPr id="153" name="Straight Arrow Connector 152"/>
+          <p:cNvCxnSpPr>
+            <a:endCxn id="151" idx="2"/>
+          </p:cNvCxnSpPr>
+          <p:nvPr/>
+        </p:nvCxnSpPr>
+        <p:spPr>
+          <a:xfrm flipV="1">
+            <a:off x="7490334" y="2977145"/>
+            <a:ext cx="306054" cy="375655"/>
+          </a:xfrm>
+          <a:prstGeom prst="straightConnector1">
+            <a:avLst/>
+          </a:prstGeom>
+          <a:ln>
+            <a:tailEnd type="arrow"/>
+          </a:ln>
+        </p:spPr>
+        <p:style>
+          <a:lnRef idx="1">
+            <a:schemeClr val="accent1"/>
+          </a:lnRef>
+          <a:fillRef idx="0">
+            <a:schemeClr val="accent1"/>
+          </a:fillRef>
+          <a:effectRef idx="0">
+            <a:schemeClr val="accent1"/>
+          </a:effectRef>
+          <a:fontRef idx="minor">
+            <a:schemeClr val="tx1"/>
+          </a:fontRef>
+        </p:style>
+      </p:cxnSp>
+      <p:cxnSp>
+        <p:nvCxnSpPr>
+          <p:cNvPr id="154" name="Straight Arrow Connector 153"/>
+          <p:cNvCxnSpPr>
+            <a:stCxn id="151" idx="0"/>
+          </p:cNvCxnSpPr>
+          <p:nvPr/>
+        </p:nvCxnSpPr>
+        <p:spPr>
+          <a:xfrm flipH="1" flipV="1">
+            <a:off x="7439462" y="1916137"/>
+            <a:ext cx="356926" cy="419528"/>
+          </a:xfrm>
+          <a:prstGeom prst="straightConnector1">
+            <a:avLst/>
+          </a:prstGeom>
+          <a:ln>
+            <a:tailEnd type="arrow"/>
+          </a:ln>
+        </p:spPr>
+        <p:style>
+          <a:lnRef idx="1">
+            <a:schemeClr val="accent1"/>
+          </a:lnRef>
+          <a:fillRef idx="0">
+            <a:schemeClr val="accent1"/>
+          </a:fillRef>
+          <a:effectRef idx="0">
+            <a:schemeClr val="accent1"/>
+          </a:effectRef>
+          <a:fontRef idx="minor">
+            <a:schemeClr val="tx1"/>
+          </a:fontRef>
+        </p:style>
+      </p:cxnSp>
+      <p:cxnSp>
+        <p:nvCxnSpPr>
+          <p:cNvPr id="155" name="Straight Arrow Connector 154"/>
+          <p:cNvCxnSpPr>
+            <a:endCxn id="150" idx="0"/>
+          </p:cNvCxnSpPr>
+          <p:nvPr/>
+        </p:nvCxnSpPr>
+        <p:spPr>
+          <a:xfrm flipH="1">
+            <a:off x="6611257" y="1916137"/>
+            <a:ext cx="333359" cy="419528"/>
+          </a:xfrm>
+          <a:prstGeom prst="straightConnector1">
+            <a:avLst/>
+          </a:prstGeom>
+          <a:ln>
+            <a:tailEnd type="arrow"/>
+          </a:ln>
+        </p:spPr>
+        <p:style>
+          <a:lnRef idx="1">
+            <a:schemeClr val="accent1"/>
+          </a:lnRef>
+          <a:fillRef idx="0">
+            <a:schemeClr val="accent1"/>
+          </a:fillRef>
+          <a:effectRef idx="0">
+            <a:schemeClr val="accent1"/>
+          </a:effectRef>
+          <a:fontRef idx="minor">
+            <a:schemeClr val="tx1"/>
+          </a:fontRef>
+        </p:style>
+      </p:cxnSp>
+    </p:spTree>
+    <p:extLst>
+      <p:ext uri="{BB962C8B-B14F-4D97-AF65-F5344CB8AC3E}">
+        <p14:creationId xmlns:p14="http://schemas.microsoft.com/office/powerpoint/2010/main" val="3360338363"/>
+      </p:ext>
+    </p:extLst>
+  </p:cSld>
+  <p:clrMapOvr>
+    <a:masterClrMapping/>
+  </p:clrMapOvr>
+</p:sld>
+</file>
+
+<file path=ppt/slides/slide11.xml><?xml version="1.0" encoding="utf-8"?>
+<p:sld xmlns:a="http://schemas.openxmlformats.org/drawingml/2006/main" xmlns:r="http://schemas.openxmlformats.org/officeDocument/2006/relationships" xmlns:p="http://schemas.openxmlformats.org/presentationml/2006/main">
+  <p:cSld>
+    <p:spTree>
+      <p:nvGrpSpPr>
+        <p:cNvPr id="1" name=""/>
+        <p:cNvGrpSpPr/>
+        <p:nvPr/>
+      </p:nvGrpSpPr>
+      <p:grpSpPr>
+        <a:xfrm>
+          <a:off x="0" y="0"/>
+          <a:ext cx="0" cy="0"/>
+          <a:chOff x="0" y="0"/>
+          <a:chExt cx="0" cy="0"/>
+        </a:xfrm>
+      </p:grpSpPr>
+      <p:sp>
+        <p:nvSpPr>
+          <p:cNvPr id="71" name="Down Arrow 70"/>
+          <p:cNvSpPr/>
+          <p:nvPr/>
+        </p:nvSpPr>
+        <p:spPr>
+          <a:xfrm>
+            <a:off x="5418410" y="3833254"/>
+            <a:ext cx="147738" cy="817116"/>
+          </a:xfrm>
+          <a:prstGeom prst="downArrow">
+            <a:avLst/>
+          </a:prstGeom>
+        </p:spPr>
+        <p:style>
+          <a:lnRef idx="2">
+            <a:schemeClr val="accent6">
+              <a:shade val="50000"/>
+            </a:schemeClr>
+          </a:lnRef>
+          <a:fillRef idx="1">
+            <a:schemeClr val="accent6"/>
+          </a:fillRef>
+          <a:effectRef idx="0">
+            <a:schemeClr val="accent6"/>
+          </a:effectRef>
+          <a:fontRef idx="minor">
+            <a:schemeClr val="lt1"/>
+          </a:fontRef>
+        </p:style>
+        <p:txBody>
+          <a:bodyPr lIns="0" rIns="0" rtlCol="0" anchor="ctr"/>
+          <a:lstStyle/>
+          <a:p>
+            <a:pPr algn="ctr"/>
+            <a:endParaRPr lang="en-US" sz="1400"/>
+          </a:p>
+        </p:txBody>
+      </p:sp>
+      <p:sp>
+        <p:nvSpPr>
+          <p:cNvPr id="49" name="Down Arrow 48"/>
+          <p:cNvSpPr/>
+          <p:nvPr/>
+        </p:nvSpPr>
+        <p:spPr>
+          <a:xfrm>
+            <a:off x="2011758" y="3833254"/>
+            <a:ext cx="147738" cy="817116"/>
+          </a:xfrm>
+          <a:prstGeom prst="downArrow">
+            <a:avLst/>
+          </a:prstGeom>
+        </p:spPr>
+        <p:style>
+          <a:lnRef idx="2">
+            <a:schemeClr val="accent6">
+              <a:shade val="50000"/>
+            </a:schemeClr>
+          </a:lnRef>
+          <a:fillRef idx="1">
+            <a:schemeClr val="accent6"/>
+          </a:fillRef>
+          <a:effectRef idx="0">
+            <a:schemeClr val="accent6"/>
+          </a:effectRef>
+          <a:fontRef idx="minor">
+            <a:schemeClr val="lt1"/>
+          </a:fontRef>
+        </p:style>
+        <p:txBody>
+          <a:bodyPr lIns="0" rIns="0" rtlCol="0" anchor="ctr"/>
+          <a:lstStyle/>
+          <a:p>
+            <a:pPr algn="ctr"/>
+            <a:endParaRPr lang="en-US" sz="1400"/>
+          </a:p>
+        </p:txBody>
+      </p:sp>
+      <p:sp>
+        <p:nvSpPr>
+          <p:cNvPr id="12" name="Rounded Rectangle 11"/>
+          <p:cNvSpPr/>
+          <p:nvPr/>
+        </p:nvSpPr>
+        <p:spPr>
+          <a:xfrm>
+            <a:off x="1485900" y="3352800"/>
+            <a:ext cx="1638299" cy="480454"/>
+          </a:xfrm>
+          <a:prstGeom prst="roundRect">
+            <a:avLst>
+              <a:gd name="adj" fmla="val 20065"/>
+            </a:avLst>
+          </a:prstGeom>
+          <a:ln w="12700"/>
+        </p:spPr>
+        <p:style>
+          <a:lnRef idx="2">
+            <a:schemeClr val="accent1">
+              <a:shade val="50000"/>
+            </a:schemeClr>
+          </a:lnRef>
+          <a:fillRef idx="1">
+            <a:schemeClr val="accent1"/>
+          </a:fillRef>
+          <a:effectRef idx="0">
+            <a:schemeClr val="accent1"/>
+          </a:effectRef>
+          <a:fontRef idx="minor">
+            <a:schemeClr val="lt1"/>
+          </a:fontRef>
+        </p:style>
+        <p:txBody>
+          <a:bodyPr lIns="0" tIns="0" rIns="0" bIns="0" rtlCol="0" anchor="ctr"/>
+          <a:lstStyle/>
+          <a:p>
+            <a:pPr algn="ctr"/>
+            <a:r>
+              <a:rPr lang="en-US" sz="1050" dirty="0" err="1"/>
+              <a:t>ControlledRobotSimulator</a:t>
+            </a:r>
+            <a:endParaRPr lang="en-US" sz="1050" dirty="0"/>
+          </a:p>
+        </p:txBody>
+      </p:sp>
+      <p:sp>
+        <p:nvSpPr>
+          <p:cNvPr id="34" name="TextBox 33"/>
+          <p:cNvSpPr txBox="1"/>
+          <p:nvPr/>
+        </p:nvSpPr>
+        <p:spPr>
+          <a:xfrm>
+            <a:off x="464127" y="466498"/>
+            <a:ext cx="6111032" cy="369332"/>
+          </a:xfrm>
+          <a:prstGeom prst="rect">
+            <a:avLst/>
+          </a:prstGeom>
+          <a:noFill/>
+        </p:spPr>
+        <p:txBody>
+          <a:bodyPr wrap="none" rtlCol="0">
+            <a:spAutoFit/>
+          </a:bodyPr>
+          <a:lstStyle/>
+          <a:p>
+            <a:r>
+              <a:rPr lang="en-US" dirty="0" smtClean="0"/>
+              <a:t>Integration with a </a:t>
+            </a:r>
+            <a:r>
+              <a:rPr lang="en-US" dirty="0" err="1" smtClean="0"/>
+              <a:t>Klamp’t</a:t>
+            </a:r>
+            <a:r>
+              <a:rPr lang="en-US" dirty="0" smtClean="0"/>
+              <a:t> controller at the joint command level</a:t>
+            </a:r>
+            <a:endParaRPr lang="en-US" dirty="0"/>
+          </a:p>
+        </p:txBody>
+      </p:sp>
+      <p:sp>
+        <p:nvSpPr>
+          <p:cNvPr id="36" name="Rounded Rectangle 35"/>
+          <p:cNvSpPr/>
+          <p:nvPr/>
+        </p:nvSpPr>
+        <p:spPr>
+          <a:xfrm>
+            <a:off x="1601333" y="1435683"/>
+            <a:ext cx="1267176" cy="480454"/>
+          </a:xfrm>
+          <a:prstGeom prst="roundRect">
+            <a:avLst>
+              <a:gd name="adj" fmla="val 20065"/>
+            </a:avLst>
+          </a:prstGeom>
+          <a:ln w="12700"/>
+        </p:spPr>
+        <p:style>
+          <a:lnRef idx="2">
+            <a:schemeClr val="accent1">
+              <a:shade val="50000"/>
+            </a:schemeClr>
+          </a:lnRef>
+          <a:fillRef idx="1">
+            <a:schemeClr val="accent1"/>
+          </a:fillRef>
+          <a:effectRef idx="0">
+            <a:schemeClr val="accent1"/>
+          </a:effectRef>
+          <a:fontRef idx="minor">
+            <a:schemeClr val="lt1"/>
+          </a:fontRef>
+        </p:style>
+        <p:txBody>
+          <a:bodyPr lIns="0" tIns="0" rIns="0" bIns="0" rtlCol="0" anchor="ctr"/>
+          <a:lstStyle/>
+          <a:p>
+            <a:pPr algn="ctr"/>
+            <a:r>
+              <a:rPr lang="en-US" sz="1050" dirty="0" err="1" smtClean="0"/>
+              <a:t>Klamp’t</a:t>
+            </a:r>
+            <a:r>
+              <a:rPr lang="en-US" sz="1050" dirty="0" smtClean="0"/>
+              <a:t> c</a:t>
+            </a:r>
+            <a:r>
+              <a:rPr lang="en-US" sz="1050" dirty="0" smtClean="0"/>
+              <a:t>ontroller</a:t>
+            </a:r>
+            <a:endParaRPr lang="en-US" sz="1050" dirty="0"/>
+          </a:p>
+        </p:txBody>
+      </p:sp>
+      <p:sp>
+        <p:nvSpPr>
+          <p:cNvPr id="39" name="Rectangle 38"/>
+          <p:cNvSpPr/>
+          <p:nvPr/>
+        </p:nvSpPr>
+        <p:spPr>
+          <a:xfrm>
+            <a:off x="685800" y="2335665"/>
+            <a:ext cx="1600200" cy="641480"/>
+          </a:xfrm>
+          <a:prstGeom prst="rect">
+            <a:avLst/>
+          </a:prstGeom>
+        </p:spPr>
+        <p:style>
+          <a:lnRef idx="2">
+            <a:schemeClr val="accent2">
+              <a:shade val="50000"/>
+            </a:schemeClr>
+          </a:lnRef>
+          <a:fillRef idx="1">
+            <a:schemeClr val="accent2"/>
+          </a:fillRef>
+          <a:effectRef idx="0">
+            <a:schemeClr val="accent2"/>
+          </a:effectRef>
+          <a:fontRef idx="minor">
+            <a:schemeClr val="lt1"/>
+          </a:fontRef>
+        </p:style>
+        <p:txBody>
+          <a:bodyPr rtlCol="0" anchor="ctr"/>
+          <a:lstStyle/>
+          <a:p>
+            <a:pPr algn="ctr"/>
+            <a:r>
+              <a:rPr lang="en-US" sz="1200" dirty="0" err="1" smtClean="0"/>
+              <a:t>RobotMotorCommand</a:t>
+            </a:r>
+            <a:r>
+              <a:rPr lang="en-US" sz="1200" dirty="0" smtClean="0"/>
+              <a:t> structure</a:t>
+            </a:r>
+            <a:endParaRPr lang="en-US" sz="1200" dirty="0"/>
+          </a:p>
+        </p:txBody>
+      </p:sp>
+      <p:sp>
+        <p:nvSpPr>
+          <p:cNvPr id="40" name="Rectangle 39"/>
+          <p:cNvSpPr/>
+          <p:nvPr/>
+        </p:nvSpPr>
+        <p:spPr>
+          <a:xfrm>
+            <a:off x="2390425" y="2335665"/>
+            <a:ext cx="1267175" cy="641480"/>
+          </a:xfrm>
+          <a:prstGeom prst="rect">
+            <a:avLst/>
+          </a:prstGeom>
+        </p:spPr>
+        <p:style>
+          <a:lnRef idx="2">
+            <a:schemeClr val="accent2">
+              <a:shade val="50000"/>
+            </a:schemeClr>
+          </a:lnRef>
+          <a:fillRef idx="1">
+            <a:schemeClr val="accent2"/>
+          </a:fillRef>
+          <a:effectRef idx="0">
+            <a:schemeClr val="accent2"/>
+          </a:effectRef>
+          <a:fontRef idx="minor">
+            <a:schemeClr val="lt1"/>
+          </a:fontRef>
+        </p:style>
+        <p:txBody>
+          <a:bodyPr rtlCol="0" anchor="ctr"/>
+          <a:lstStyle/>
+          <a:p>
+            <a:pPr algn="ctr"/>
+            <a:r>
+              <a:rPr lang="en-US" sz="1200" dirty="0" err="1" smtClean="0"/>
+              <a:t>RobotSensors</a:t>
+            </a:r>
+            <a:r>
+              <a:rPr lang="en-US" sz="1200" dirty="0" smtClean="0"/>
+              <a:t> </a:t>
+            </a:r>
+            <a:r>
+              <a:rPr lang="en-US" sz="1200" dirty="0"/>
+              <a:t>structure</a:t>
+            </a:r>
+          </a:p>
+        </p:txBody>
+      </p:sp>
+      <p:sp>
+        <p:nvSpPr>
+          <p:cNvPr id="48" name="Rounded Rectangle 47"/>
+          <p:cNvSpPr/>
+          <p:nvPr/>
+        </p:nvSpPr>
+        <p:spPr>
+          <a:xfrm>
+            <a:off x="1598560" y="4653145"/>
+            <a:ext cx="1267176" cy="480454"/>
+          </a:xfrm>
+          <a:prstGeom prst="roundRect">
+            <a:avLst>
+              <a:gd name="adj" fmla="val 20065"/>
+            </a:avLst>
+          </a:prstGeom>
+          <a:ln w="12700"/>
+        </p:spPr>
+        <p:style>
+          <a:lnRef idx="2">
+            <a:schemeClr val="accent1">
+              <a:shade val="50000"/>
+            </a:schemeClr>
+          </a:lnRef>
+          <a:fillRef idx="1">
+            <a:schemeClr val="accent1"/>
+          </a:fillRef>
+          <a:effectRef idx="0">
+            <a:schemeClr val="accent1"/>
+          </a:effectRef>
+          <a:fontRef idx="minor">
+            <a:schemeClr val="lt1"/>
+          </a:fontRef>
+        </p:style>
+        <p:txBody>
+          <a:bodyPr lIns="0" tIns="0" rIns="0" bIns="0" rtlCol="0" anchor="ctr"/>
+          <a:lstStyle/>
+          <a:p>
+            <a:pPr algn="ctr"/>
+            <a:r>
+              <a:rPr lang="en-US" sz="1050" dirty="0"/>
+              <a:t>Simulation engine</a:t>
+            </a:r>
+            <a:endParaRPr lang="en-US" sz="1050" dirty="0"/>
+          </a:p>
+        </p:txBody>
+      </p:sp>
+      <p:cxnSp>
+        <p:nvCxnSpPr>
+          <p:cNvPr id="50" name="Straight Arrow Connector 49"/>
+          <p:cNvCxnSpPr>
+            <a:stCxn id="39" idx="2"/>
+          </p:cNvCxnSpPr>
+          <p:nvPr/>
+        </p:nvCxnSpPr>
+        <p:spPr>
+          <a:xfrm>
+            <a:off x="1485900" y="2977145"/>
+            <a:ext cx="599727" cy="375655"/>
+          </a:xfrm>
+          <a:prstGeom prst="straightConnector1">
+            <a:avLst/>
+          </a:prstGeom>
+          <a:ln>
+            <a:tailEnd type="arrow"/>
+          </a:ln>
+        </p:spPr>
+        <p:style>
+          <a:lnRef idx="1">
+            <a:schemeClr val="accent1"/>
+          </a:lnRef>
+          <a:fillRef idx="0">
+            <a:schemeClr val="accent1"/>
+          </a:fillRef>
+          <a:effectRef idx="0">
+            <a:schemeClr val="accent1"/>
+          </a:effectRef>
+          <a:fontRef idx="minor">
+            <a:schemeClr val="tx1"/>
+          </a:fontRef>
+        </p:style>
+      </p:cxnSp>
+      <p:cxnSp>
+        <p:nvCxnSpPr>
+          <p:cNvPr id="69" name="Straight Arrow Connector 68"/>
+          <p:cNvCxnSpPr>
+            <a:endCxn id="40" idx="2"/>
+          </p:cNvCxnSpPr>
+          <p:nvPr/>
+        </p:nvCxnSpPr>
+        <p:spPr>
+          <a:xfrm flipV="1">
+            <a:off x="2565559" y="2977145"/>
+            <a:ext cx="458454" cy="375656"/>
+          </a:xfrm>
+          <a:prstGeom prst="straightConnector1">
+            <a:avLst/>
+          </a:prstGeom>
+          <a:ln>
+            <a:tailEnd type="arrow"/>
+          </a:ln>
+        </p:spPr>
+        <p:style>
+          <a:lnRef idx="1">
+            <a:schemeClr val="accent1"/>
+          </a:lnRef>
+          <a:fillRef idx="0">
+            <a:schemeClr val="accent1"/>
+          </a:fillRef>
+          <a:effectRef idx="0">
+            <a:schemeClr val="accent1"/>
+          </a:effectRef>
+          <a:fontRef idx="minor">
+            <a:schemeClr val="tx1"/>
+          </a:fontRef>
+        </p:style>
+      </p:cxnSp>
+      <p:cxnSp>
+        <p:nvCxnSpPr>
+          <p:cNvPr id="74" name="Straight Arrow Connector 73"/>
+          <p:cNvCxnSpPr>
+            <a:stCxn id="40" idx="0"/>
+          </p:cNvCxnSpPr>
+          <p:nvPr/>
+        </p:nvCxnSpPr>
+        <p:spPr>
+          <a:xfrm flipH="1" flipV="1">
+            <a:off x="2514687" y="1916137"/>
+            <a:ext cx="509326" cy="419528"/>
+          </a:xfrm>
+          <a:prstGeom prst="straightConnector1">
+            <a:avLst/>
+          </a:prstGeom>
+          <a:ln>
+            <a:tailEnd type="arrow"/>
+          </a:ln>
+        </p:spPr>
+        <p:style>
+          <a:lnRef idx="1">
+            <a:schemeClr val="accent1"/>
+          </a:lnRef>
+          <a:fillRef idx="0">
+            <a:schemeClr val="accent1"/>
+          </a:fillRef>
+          <a:effectRef idx="0">
+            <a:schemeClr val="accent1"/>
+          </a:effectRef>
+          <a:fontRef idx="minor">
+            <a:schemeClr val="tx1"/>
+          </a:fontRef>
+        </p:style>
+      </p:cxnSp>
+      <p:cxnSp>
+        <p:nvCxnSpPr>
+          <p:cNvPr id="78" name="Straight Arrow Connector 77"/>
+          <p:cNvCxnSpPr>
+            <a:endCxn id="39" idx="0"/>
+          </p:cNvCxnSpPr>
+          <p:nvPr/>
+        </p:nvCxnSpPr>
+        <p:spPr>
+          <a:xfrm flipH="1">
+            <a:off x="1485900" y="1916137"/>
+            <a:ext cx="533942" cy="419528"/>
+          </a:xfrm>
+          <a:prstGeom prst="straightConnector1">
+            <a:avLst/>
+          </a:prstGeom>
+          <a:ln>
+            <a:tailEnd type="arrow"/>
+          </a:ln>
+        </p:spPr>
+        <p:style>
+          <a:lnRef idx="1">
+            <a:schemeClr val="accent1"/>
+          </a:lnRef>
+          <a:fillRef idx="0">
+            <a:schemeClr val="accent1"/>
+          </a:fillRef>
+          <a:effectRef idx="0">
+            <a:schemeClr val="accent1"/>
+          </a:effectRef>
+          <a:fontRef idx="minor">
+            <a:schemeClr val="tx1"/>
+          </a:fontRef>
+        </p:style>
+      </p:cxnSp>
+      <p:sp>
+        <p:nvSpPr>
+          <p:cNvPr id="109" name="Down Arrow 108"/>
+          <p:cNvSpPr/>
+          <p:nvPr/>
+        </p:nvSpPr>
+        <p:spPr>
+          <a:xfrm rot="10800000">
+            <a:off x="2443062" y="3833254"/>
+            <a:ext cx="147738" cy="817116"/>
+          </a:xfrm>
+          <a:prstGeom prst="downArrow">
+            <a:avLst/>
+          </a:prstGeom>
+        </p:spPr>
+        <p:style>
+          <a:lnRef idx="2">
+            <a:schemeClr val="accent6">
+              <a:shade val="50000"/>
+            </a:schemeClr>
+          </a:lnRef>
+          <a:fillRef idx="1">
+            <a:schemeClr val="accent6"/>
+          </a:fillRef>
+          <a:effectRef idx="0">
+            <a:schemeClr val="accent6"/>
+          </a:effectRef>
+          <a:fontRef idx="minor">
+            <a:schemeClr val="lt1"/>
+          </a:fontRef>
+        </p:style>
+        <p:txBody>
+          <a:bodyPr lIns="0" rIns="0" rtlCol="0" anchor="ctr"/>
+          <a:lstStyle/>
+          <a:p>
+            <a:pPr algn="ctr"/>
+            <a:endParaRPr lang="en-US" sz="1400"/>
+          </a:p>
+        </p:txBody>
+      </p:sp>
+      <p:sp>
+        <p:nvSpPr>
+          <p:cNvPr id="113" name="TextBox 112"/>
+          <p:cNvSpPr txBox="1"/>
+          <p:nvPr/>
+        </p:nvSpPr>
+        <p:spPr>
+          <a:xfrm>
+            <a:off x="5061279" y="1158729"/>
+            <a:ext cx="1059842" cy="276999"/>
+          </a:xfrm>
+          <a:prstGeom prst="rect">
+            <a:avLst/>
+          </a:prstGeom>
+          <a:noFill/>
+        </p:spPr>
+        <p:txBody>
+          <a:bodyPr wrap="none" rtlCol="0">
+            <a:spAutoFit/>
+          </a:bodyPr>
+          <a:lstStyle/>
+          <a:p>
+            <a:r>
+              <a:rPr lang="en-US" sz="1200" dirty="0" smtClean="0"/>
+              <a:t>Physical robot</a:t>
+            </a:r>
+            <a:endParaRPr lang="en-US" sz="1200" dirty="0"/>
+          </a:p>
+        </p:txBody>
+      </p:sp>
+      <p:sp>
+        <p:nvSpPr>
+          <p:cNvPr id="115" name="TextBox 114"/>
+          <p:cNvSpPr txBox="1"/>
+          <p:nvPr/>
+        </p:nvSpPr>
+        <p:spPr>
+          <a:xfrm>
+            <a:off x="1707596" y="1158729"/>
+            <a:ext cx="1188980" cy="276999"/>
+          </a:xfrm>
+          <a:prstGeom prst="rect">
+            <a:avLst/>
+          </a:prstGeom>
+          <a:noFill/>
+        </p:spPr>
+        <p:txBody>
+          <a:bodyPr wrap="none" rtlCol="0">
+            <a:spAutoFit/>
+          </a:bodyPr>
+          <a:lstStyle/>
+          <a:p>
+            <a:r>
+              <a:rPr lang="en-US" sz="1200" dirty="0" smtClean="0"/>
+              <a:t>Simulated robot</a:t>
+            </a:r>
+            <a:endParaRPr lang="en-US" sz="1200" dirty="0"/>
+          </a:p>
+        </p:txBody>
+      </p:sp>
+      <p:sp>
+        <p:nvSpPr>
+          <p:cNvPr id="46" name="Rectangle 45"/>
+          <p:cNvSpPr/>
+          <p:nvPr/>
+        </p:nvSpPr>
+        <p:spPr>
+          <a:xfrm>
+            <a:off x="1028157" y="4026499"/>
+            <a:ext cx="876843" cy="430626"/>
+          </a:xfrm>
+          <a:prstGeom prst="rect">
+            <a:avLst/>
+          </a:prstGeom>
+        </p:spPr>
+        <p:style>
+          <a:lnRef idx="2">
+            <a:schemeClr val="accent2">
+              <a:shade val="50000"/>
+            </a:schemeClr>
+          </a:lnRef>
+          <a:fillRef idx="1">
+            <a:schemeClr val="accent2"/>
+          </a:fillRef>
+          <a:effectRef idx="0">
+            <a:schemeClr val="accent2"/>
+          </a:effectRef>
+          <a:fontRef idx="minor">
+            <a:schemeClr val="lt1"/>
+          </a:fontRef>
+        </p:style>
+        <p:txBody>
+          <a:bodyPr rtlCol="0" anchor="ctr"/>
+          <a:lstStyle/>
+          <a:p>
+            <a:pPr algn="ctr"/>
+            <a:r>
+              <a:rPr lang="en-US" sz="1200" dirty="0" smtClean="0"/>
+              <a:t>PID emulator</a:t>
+            </a:r>
+            <a:endParaRPr lang="en-US" sz="1200" dirty="0"/>
+          </a:p>
+        </p:txBody>
+      </p:sp>
+      <p:sp>
+        <p:nvSpPr>
+          <p:cNvPr id="47" name="Rectangle 46"/>
+          <p:cNvSpPr/>
+          <p:nvPr/>
+        </p:nvSpPr>
+        <p:spPr>
+          <a:xfrm>
+            <a:off x="2671661" y="4026499"/>
+            <a:ext cx="985939" cy="430626"/>
+          </a:xfrm>
+          <a:prstGeom prst="rect">
+            <a:avLst/>
+          </a:prstGeom>
+        </p:spPr>
+        <p:style>
+          <a:lnRef idx="2">
+            <a:schemeClr val="accent2">
+              <a:shade val="50000"/>
+            </a:schemeClr>
+          </a:lnRef>
+          <a:fillRef idx="1">
+            <a:schemeClr val="accent2"/>
+          </a:fillRef>
+          <a:effectRef idx="0">
+            <a:schemeClr val="accent2"/>
+          </a:effectRef>
+          <a:fontRef idx="minor">
+            <a:schemeClr val="lt1"/>
+          </a:fontRef>
+        </p:style>
+        <p:txBody>
+          <a:bodyPr rtlCol="0" anchor="ctr"/>
+          <a:lstStyle/>
+          <a:p>
+            <a:pPr algn="ctr"/>
+            <a:r>
+              <a:rPr lang="en-US" sz="1200" dirty="0" smtClean="0"/>
+              <a:t>Sensor emulator</a:t>
+            </a:r>
+            <a:endParaRPr lang="en-US" sz="1200" dirty="0"/>
+          </a:p>
+        </p:txBody>
+      </p:sp>
+      <p:sp>
+        <p:nvSpPr>
+          <p:cNvPr id="53" name="Rounded Rectangle 52"/>
+          <p:cNvSpPr/>
+          <p:nvPr/>
+        </p:nvSpPr>
+        <p:spPr>
+          <a:xfrm>
+            <a:off x="4838700" y="3352800"/>
+            <a:ext cx="1638299" cy="480454"/>
+          </a:xfrm>
+          <a:prstGeom prst="roundRect">
+            <a:avLst>
+              <a:gd name="adj" fmla="val 20065"/>
+            </a:avLst>
+          </a:prstGeom>
+          <a:ln w="12700"/>
+        </p:spPr>
+        <p:style>
+          <a:lnRef idx="2">
+            <a:schemeClr val="accent4">
+              <a:shade val="50000"/>
+            </a:schemeClr>
+          </a:lnRef>
+          <a:fillRef idx="1">
+            <a:schemeClr val="accent4"/>
+          </a:fillRef>
+          <a:effectRef idx="0">
+            <a:schemeClr val="accent4"/>
+          </a:effectRef>
+          <a:fontRef idx="minor">
+            <a:schemeClr val="lt1"/>
+          </a:fontRef>
+        </p:style>
+        <p:txBody>
+          <a:bodyPr lIns="0" tIns="0" rIns="0" bIns="0" rtlCol="0" anchor="ctr"/>
+          <a:lstStyle/>
+          <a:p>
+            <a:pPr algn="ctr"/>
+            <a:r>
+              <a:rPr lang="en-US" sz="1050" dirty="0" smtClean="0"/>
+              <a:t>Subclass of </a:t>
+            </a:r>
+            <a:r>
+              <a:rPr lang="en-US" sz="1050" dirty="0" err="1" smtClean="0"/>
+              <a:t>ControlledRobot</a:t>
+            </a:r>
+            <a:endParaRPr lang="en-US" sz="1050" dirty="0"/>
+          </a:p>
+        </p:txBody>
+      </p:sp>
+      <p:sp>
+        <p:nvSpPr>
+          <p:cNvPr id="54" name="Rounded Rectangle 53"/>
+          <p:cNvSpPr/>
+          <p:nvPr/>
+        </p:nvSpPr>
+        <p:spPr>
+          <a:xfrm>
+            <a:off x="4954133" y="1435683"/>
+            <a:ext cx="1267176" cy="480454"/>
+          </a:xfrm>
+          <a:prstGeom prst="roundRect">
+            <a:avLst>
+              <a:gd name="adj" fmla="val 20065"/>
+            </a:avLst>
+          </a:prstGeom>
+          <a:ln w="12700"/>
+        </p:spPr>
+        <p:style>
+          <a:lnRef idx="2">
+            <a:schemeClr val="accent1">
+              <a:shade val="50000"/>
+            </a:schemeClr>
+          </a:lnRef>
+          <a:fillRef idx="1">
+            <a:schemeClr val="accent1"/>
+          </a:fillRef>
+          <a:effectRef idx="0">
+            <a:schemeClr val="accent1"/>
+          </a:effectRef>
+          <a:fontRef idx="minor">
+            <a:schemeClr val="lt1"/>
+          </a:fontRef>
+        </p:style>
+        <p:txBody>
+          <a:bodyPr lIns="0" tIns="0" rIns="0" bIns="0" rtlCol="0" anchor="ctr"/>
+          <a:lstStyle/>
+          <a:p>
+            <a:pPr algn="ctr"/>
+            <a:r>
+              <a:rPr lang="en-US" sz="1050" dirty="0" err="1" smtClean="0"/>
+              <a:t>Klamp’t</a:t>
+            </a:r>
+            <a:r>
+              <a:rPr lang="en-US" sz="1050" dirty="0" smtClean="0"/>
+              <a:t> c</a:t>
+            </a:r>
+            <a:r>
+              <a:rPr lang="en-US" sz="1050" dirty="0" smtClean="0"/>
+              <a:t>ontroller</a:t>
+            </a:r>
+            <a:endParaRPr lang="en-US" sz="1050" dirty="0"/>
+          </a:p>
+        </p:txBody>
+      </p:sp>
+      <p:sp>
+        <p:nvSpPr>
+          <p:cNvPr id="55" name="Rectangle 54"/>
+          <p:cNvSpPr/>
+          <p:nvPr/>
+        </p:nvSpPr>
+        <p:spPr>
+          <a:xfrm>
+            <a:off x="4038600" y="2335665"/>
+            <a:ext cx="1600200" cy="641480"/>
+          </a:xfrm>
+          <a:prstGeom prst="rect">
+            <a:avLst/>
+          </a:prstGeom>
+        </p:spPr>
+        <p:style>
+          <a:lnRef idx="2">
+            <a:schemeClr val="accent2">
+              <a:shade val="50000"/>
+            </a:schemeClr>
+          </a:lnRef>
+          <a:fillRef idx="1">
+            <a:schemeClr val="accent2"/>
+          </a:fillRef>
+          <a:effectRef idx="0">
+            <a:schemeClr val="accent2"/>
+          </a:effectRef>
+          <a:fontRef idx="minor">
+            <a:schemeClr val="lt1"/>
+          </a:fontRef>
+        </p:style>
+        <p:txBody>
+          <a:bodyPr rtlCol="0" anchor="ctr"/>
+          <a:lstStyle/>
+          <a:p>
+            <a:pPr algn="ctr"/>
+            <a:r>
+              <a:rPr lang="en-US" sz="1200" dirty="0" err="1" smtClean="0"/>
+              <a:t>RobotMotorCommand</a:t>
+            </a:r>
+            <a:r>
+              <a:rPr lang="en-US" sz="1200" dirty="0" smtClean="0"/>
+              <a:t> </a:t>
+            </a:r>
+            <a:r>
+              <a:rPr lang="en-US" sz="1200" dirty="0"/>
+              <a:t>structure</a:t>
+            </a:r>
+          </a:p>
+        </p:txBody>
+      </p:sp>
+      <p:sp>
+        <p:nvSpPr>
+          <p:cNvPr id="61" name="Rectangle 60"/>
+          <p:cNvSpPr/>
+          <p:nvPr/>
+        </p:nvSpPr>
+        <p:spPr>
+          <a:xfrm>
+            <a:off x="5743225" y="2335665"/>
+            <a:ext cx="1267175" cy="641480"/>
+          </a:xfrm>
+          <a:prstGeom prst="rect">
+            <a:avLst/>
+          </a:prstGeom>
+        </p:spPr>
+        <p:style>
+          <a:lnRef idx="2">
+            <a:schemeClr val="accent2">
+              <a:shade val="50000"/>
+            </a:schemeClr>
+          </a:lnRef>
+          <a:fillRef idx="1">
+            <a:schemeClr val="accent2"/>
+          </a:fillRef>
+          <a:effectRef idx="0">
+            <a:schemeClr val="accent2"/>
+          </a:effectRef>
+          <a:fontRef idx="minor">
+            <a:schemeClr val="lt1"/>
+          </a:fontRef>
+        </p:style>
+        <p:txBody>
+          <a:bodyPr rtlCol="0" anchor="ctr"/>
+          <a:lstStyle/>
+          <a:p>
+            <a:pPr algn="ctr"/>
+            <a:r>
+              <a:rPr lang="en-US" sz="1200" dirty="0" err="1" smtClean="0"/>
+              <a:t>RobotSensors</a:t>
+            </a:r>
+            <a:r>
+              <a:rPr lang="en-US" sz="1200" dirty="0" smtClean="0"/>
+              <a:t> </a:t>
+            </a:r>
+            <a:r>
+              <a:rPr lang="en-US" sz="1200" dirty="0"/>
+              <a:t>structure</a:t>
+            </a:r>
+          </a:p>
+        </p:txBody>
+      </p:sp>
+      <p:cxnSp>
+        <p:nvCxnSpPr>
+          <p:cNvPr id="63" name="Straight Arrow Connector 62"/>
+          <p:cNvCxnSpPr>
+            <a:stCxn id="55" idx="2"/>
+          </p:cNvCxnSpPr>
+          <p:nvPr/>
+        </p:nvCxnSpPr>
+        <p:spPr>
+          <a:xfrm>
+            <a:off x="4838700" y="2977145"/>
+            <a:ext cx="599727" cy="375655"/>
+          </a:xfrm>
+          <a:prstGeom prst="straightConnector1">
+            <a:avLst/>
+          </a:prstGeom>
+          <a:ln>
+            <a:tailEnd type="arrow"/>
+          </a:ln>
+        </p:spPr>
+        <p:style>
+          <a:lnRef idx="1">
+            <a:schemeClr val="accent1"/>
+          </a:lnRef>
+          <a:fillRef idx="0">
+            <a:schemeClr val="accent1"/>
+          </a:fillRef>
+          <a:effectRef idx="0">
+            <a:schemeClr val="accent1"/>
+          </a:effectRef>
+          <a:fontRef idx="minor">
+            <a:schemeClr val="tx1"/>
+          </a:fontRef>
+        </p:style>
+      </p:cxnSp>
+      <p:cxnSp>
+        <p:nvCxnSpPr>
+          <p:cNvPr id="64" name="Straight Arrow Connector 63"/>
+          <p:cNvCxnSpPr>
+            <a:endCxn id="61" idx="2"/>
+          </p:cNvCxnSpPr>
+          <p:nvPr/>
+        </p:nvCxnSpPr>
+        <p:spPr>
+          <a:xfrm flipV="1">
+            <a:off x="5918359" y="2977145"/>
+            <a:ext cx="458454" cy="375656"/>
+          </a:xfrm>
+          <a:prstGeom prst="straightConnector1">
+            <a:avLst/>
+          </a:prstGeom>
+          <a:ln>
+            <a:tailEnd type="arrow"/>
+          </a:ln>
+        </p:spPr>
+        <p:style>
+          <a:lnRef idx="1">
+            <a:schemeClr val="accent1"/>
+          </a:lnRef>
+          <a:fillRef idx="0">
+            <a:schemeClr val="accent1"/>
+          </a:fillRef>
+          <a:effectRef idx="0">
+            <a:schemeClr val="accent1"/>
+          </a:effectRef>
+          <a:fontRef idx="minor">
+            <a:schemeClr val="tx1"/>
+          </a:fontRef>
+        </p:style>
+      </p:cxnSp>
+      <p:cxnSp>
+        <p:nvCxnSpPr>
+          <p:cNvPr id="65" name="Straight Arrow Connector 64"/>
+          <p:cNvCxnSpPr>
+            <a:stCxn id="61" idx="0"/>
+          </p:cNvCxnSpPr>
+          <p:nvPr/>
+        </p:nvCxnSpPr>
+        <p:spPr>
+          <a:xfrm flipH="1" flipV="1">
+            <a:off x="5867487" y="1916137"/>
+            <a:ext cx="509326" cy="419528"/>
+          </a:xfrm>
+          <a:prstGeom prst="straightConnector1">
+            <a:avLst/>
+          </a:prstGeom>
+          <a:ln>
+            <a:tailEnd type="arrow"/>
+          </a:ln>
+        </p:spPr>
+        <p:style>
+          <a:lnRef idx="1">
+            <a:schemeClr val="accent1"/>
+          </a:lnRef>
+          <a:fillRef idx="0">
+            <a:schemeClr val="accent1"/>
+          </a:fillRef>
+          <a:effectRef idx="0">
+            <a:schemeClr val="accent1"/>
+          </a:effectRef>
+          <a:fontRef idx="minor">
+            <a:schemeClr val="tx1"/>
+          </a:fontRef>
+        </p:style>
+      </p:cxnSp>
+      <p:cxnSp>
+        <p:nvCxnSpPr>
+          <p:cNvPr id="66" name="Straight Arrow Connector 65"/>
+          <p:cNvCxnSpPr>
+            <a:endCxn id="55" idx="0"/>
+          </p:cNvCxnSpPr>
+          <p:nvPr/>
+        </p:nvCxnSpPr>
+        <p:spPr>
+          <a:xfrm flipH="1">
+            <a:off x="4838700" y="1916137"/>
+            <a:ext cx="533942" cy="419528"/>
+          </a:xfrm>
+          <a:prstGeom prst="straightConnector1">
+            <a:avLst/>
+          </a:prstGeom>
+          <a:ln>
+            <a:tailEnd type="arrow"/>
+          </a:ln>
+        </p:spPr>
+        <p:style>
+          <a:lnRef idx="1">
+            <a:schemeClr val="accent1"/>
+          </a:lnRef>
+          <a:fillRef idx="0">
+            <a:schemeClr val="accent1"/>
+          </a:fillRef>
+          <a:effectRef idx="0">
+            <a:schemeClr val="accent1"/>
+          </a:effectRef>
+          <a:fontRef idx="minor">
+            <a:schemeClr val="tx1"/>
+          </a:fontRef>
+        </p:style>
+      </p:cxnSp>
+      <p:sp>
+        <p:nvSpPr>
+          <p:cNvPr id="72" name="Rounded Rectangle 71"/>
+          <p:cNvSpPr/>
+          <p:nvPr/>
+        </p:nvSpPr>
+        <p:spPr>
+          <a:xfrm>
+            <a:off x="5005212" y="4653145"/>
+            <a:ext cx="1267176" cy="480454"/>
+          </a:xfrm>
+          <a:prstGeom prst="roundRect">
+            <a:avLst>
+              <a:gd name="adj" fmla="val 20065"/>
+            </a:avLst>
+          </a:prstGeom>
+          <a:ln w="12700"/>
+        </p:spPr>
+        <p:style>
+          <a:lnRef idx="2">
+            <a:schemeClr val="accent4">
+              <a:shade val="50000"/>
+            </a:schemeClr>
+          </a:lnRef>
+          <a:fillRef idx="1">
+            <a:schemeClr val="accent4"/>
+          </a:fillRef>
+          <a:effectRef idx="0">
+            <a:schemeClr val="accent4"/>
+          </a:effectRef>
+          <a:fontRef idx="minor">
+            <a:schemeClr val="lt1"/>
+          </a:fontRef>
+        </p:style>
+        <p:txBody>
+          <a:bodyPr lIns="0" tIns="0" rIns="0" bIns="0" rtlCol="0" anchor="ctr"/>
+          <a:lstStyle/>
+          <a:p>
+            <a:pPr algn="ctr"/>
+            <a:r>
+              <a:rPr lang="en-US" sz="1050" dirty="0"/>
+              <a:t>Physical robot</a:t>
+            </a:r>
+            <a:endParaRPr lang="en-US" sz="1050" dirty="0"/>
+          </a:p>
+        </p:txBody>
+      </p:sp>
+      <p:sp>
+        <p:nvSpPr>
+          <p:cNvPr id="73" name="Down Arrow 72"/>
+          <p:cNvSpPr/>
+          <p:nvPr/>
+        </p:nvSpPr>
+        <p:spPr>
+          <a:xfrm rot="10800000">
+            <a:off x="5849714" y="3833254"/>
+            <a:ext cx="147738" cy="817116"/>
+          </a:xfrm>
+          <a:prstGeom prst="downArrow">
+            <a:avLst/>
+          </a:prstGeom>
+        </p:spPr>
+        <p:style>
+          <a:lnRef idx="2">
+            <a:schemeClr val="accent6">
+              <a:shade val="50000"/>
+            </a:schemeClr>
+          </a:lnRef>
+          <a:fillRef idx="1">
+            <a:schemeClr val="accent6"/>
+          </a:fillRef>
+          <a:effectRef idx="0">
+            <a:schemeClr val="accent6"/>
+          </a:effectRef>
+          <a:fontRef idx="minor">
+            <a:schemeClr val="lt1"/>
+          </a:fontRef>
+        </p:style>
+        <p:txBody>
+          <a:bodyPr lIns="0" rIns="0" rtlCol="0" anchor="ctr"/>
+          <a:lstStyle/>
+          <a:p>
+            <a:pPr algn="ctr"/>
+            <a:endParaRPr lang="en-US" sz="1400"/>
+          </a:p>
+        </p:txBody>
+      </p:sp>
+    </p:spTree>
+    <p:extLst>
+      <p:ext uri="{BB962C8B-B14F-4D97-AF65-F5344CB8AC3E}">
+        <p14:creationId xmlns:p14="http://schemas.microsoft.com/office/powerpoint/2010/main" val="2687840333"/>
+      </p:ext>
+    </p:extLst>
+  </p:cSld>
+  <p:clrMapOvr>
+    <a:masterClrMapping/>
+  </p:clrMapOvr>
+</p:sld>
+</file>
+
 <file path=ppt/slides/slide2.xml><?xml version="1.0" encoding="utf-8"?>
 <p:sld xmlns:a="http://schemas.openxmlformats.org/drawingml/2006/main" xmlns:r="http://schemas.openxmlformats.org/officeDocument/2006/relationships" xmlns:p="http://schemas.openxmlformats.org/presentationml/2006/main">
   <p:cSld>
@@ -6871,11 +9741,7 @@
           <a:p>
             <a:r>
               <a:rPr lang="en-US" dirty="0" smtClean="0"/>
-              <a:t>Modeling : </a:t>
-            </a:r>
-            <a:r>
-              <a:rPr lang="en-US" dirty="0" smtClean="0"/>
-              <a:t>Math</a:t>
+              <a:t>Modeling : Math</a:t>
             </a:r>
           </a:p>
         </p:txBody>
@@ -6968,11 +9834,7 @@
             <a:pPr algn="ctr"/>
             <a:r>
               <a:rPr lang="en-US" sz="1200" dirty="0" smtClean="0"/>
-              <a:t>3D </a:t>
-            </a:r>
-            <a:r>
-              <a:rPr lang="en-US" sz="1200" dirty="0" smtClean="0"/>
-              <a:t>Matrix</a:t>
+              <a:t>3D Matrix</a:t>
             </a:r>
             <a:endParaRPr lang="en-US" sz="1200" dirty="0"/>
           </a:p>
@@ -7543,11 +10405,7 @@
             <a:pPr algn="ctr"/>
             <a:r>
               <a:rPr lang="en-US" sz="900" dirty="0" smtClean="0"/>
-              <a:t>Triangle Mesh</a:t>
-            </a:r>
-            <a:r>
-              <a:rPr lang="en-US" sz="900" dirty="0" smtClean="0"/>
-              <a:t>*</a:t>
+              <a:t>Triangle Mesh*</a:t>
             </a:r>
             <a:endParaRPr lang="en-US" sz="900" dirty="0"/>
           </a:p>
@@ -13476,6 +16334,543 @@
     <p:extLst>
       <p:ext uri="{BB962C8B-B14F-4D97-AF65-F5344CB8AC3E}">
         <p14:creationId xmlns:p14="http://schemas.microsoft.com/office/powerpoint/2010/main" val="766243323"/>
+      </p:ext>
+    </p:extLst>
+  </p:cSld>
+  <p:clrMapOvr>
+    <a:masterClrMapping/>
+  </p:clrMapOvr>
+</p:sld>
+</file>
+
+<file path=ppt/slides/slide9.xml><?xml version="1.0" encoding="utf-8"?>
+<p:sld xmlns:a="http://schemas.openxmlformats.org/drawingml/2006/main" xmlns:r="http://schemas.openxmlformats.org/officeDocument/2006/relationships" xmlns:p="http://schemas.openxmlformats.org/presentationml/2006/main">
+  <p:cSld>
+    <p:spTree>
+      <p:nvGrpSpPr>
+        <p:cNvPr id="1" name=""/>
+        <p:cNvGrpSpPr/>
+        <p:nvPr/>
+      </p:nvGrpSpPr>
+      <p:grpSpPr>
+        <a:xfrm>
+          <a:off x="0" y="0"/>
+          <a:ext cx="0" cy="0"/>
+          <a:chOff x="0" y="0"/>
+          <a:chExt cx="0" cy="0"/>
+        </a:xfrm>
+      </p:grpSpPr>
+      <p:sp>
+        <p:nvSpPr>
+          <p:cNvPr id="5" name="TextBox 4"/>
+          <p:cNvSpPr txBox="1"/>
+          <p:nvPr/>
+        </p:nvSpPr>
+        <p:spPr>
+          <a:xfrm>
+            <a:off x="464127" y="466498"/>
+            <a:ext cx="5075236" cy="369332"/>
+          </a:xfrm>
+          <a:prstGeom prst="rect">
+            <a:avLst/>
+          </a:prstGeom>
+          <a:noFill/>
+        </p:spPr>
+        <p:txBody>
+          <a:bodyPr wrap="none" rtlCol="0">
+            <a:spAutoFit/>
+          </a:bodyPr>
+          <a:lstStyle/>
+          <a:p>
+            <a:r>
+              <a:rPr lang="en-US" dirty="0" smtClean="0"/>
+              <a:t>Controller integration with </a:t>
+            </a:r>
+            <a:r>
+              <a:rPr lang="en-US" dirty="0" err="1" smtClean="0"/>
+              <a:t>SerialController</a:t>
+            </a:r>
+            <a:r>
+              <a:rPr lang="en-US" dirty="0" smtClean="0"/>
+              <a:t> interface</a:t>
+            </a:r>
+            <a:endParaRPr lang="en-US" dirty="0"/>
+          </a:p>
+        </p:txBody>
+      </p:sp>
+      <p:sp>
+        <p:nvSpPr>
+          <p:cNvPr id="7" name="Rounded Rectangle 6"/>
+          <p:cNvSpPr/>
+          <p:nvPr/>
+        </p:nvSpPr>
+        <p:spPr>
+          <a:xfrm>
+            <a:off x="2914151" y="1006682"/>
+            <a:ext cx="1267176" cy="480454"/>
+          </a:xfrm>
+          <a:prstGeom prst="roundRect">
+            <a:avLst>
+              <a:gd name="adj" fmla="val 20065"/>
+            </a:avLst>
+          </a:prstGeom>
+          <a:ln w="12700"/>
+        </p:spPr>
+        <p:style>
+          <a:lnRef idx="2">
+            <a:schemeClr val="accent4">
+              <a:shade val="50000"/>
+            </a:schemeClr>
+          </a:lnRef>
+          <a:fillRef idx="1">
+            <a:schemeClr val="accent4"/>
+          </a:fillRef>
+          <a:effectRef idx="0">
+            <a:schemeClr val="accent4"/>
+          </a:effectRef>
+          <a:fontRef idx="minor">
+            <a:schemeClr val="lt1"/>
+          </a:fontRef>
+        </p:style>
+        <p:txBody>
+          <a:bodyPr lIns="0" tIns="0" rIns="0" bIns="0" rtlCol="0" anchor="ctr"/>
+          <a:lstStyle/>
+          <a:p>
+            <a:pPr algn="ctr"/>
+            <a:r>
+              <a:rPr lang="en-US" sz="1050" dirty="0" smtClean="0"/>
+              <a:t>External c</a:t>
+            </a:r>
+            <a:r>
+              <a:rPr lang="en-US" sz="1050" dirty="0" smtClean="0"/>
+              <a:t>ontroller</a:t>
+            </a:r>
+            <a:endParaRPr lang="en-US" sz="1050" dirty="0"/>
+          </a:p>
+        </p:txBody>
+      </p:sp>
+      <p:sp>
+        <p:nvSpPr>
+          <p:cNvPr id="9" name="Rectangle 8"/>
+          <p:cNvSpPr/>
+          <p:nvPr/>
+        </p:nvSpPr>
+        <p:spPr>
+          <a:xfrm>
+            <a:off x="2199409" y="1906664"/>
+            <a:ext cx="1267176" cy="641480"/>
+          </a:xfrm>
+          <a:prstGeom prst="rect">
+            <a:avLst/>
+          </a:prstGeom>
+        </p:spPr>
+        <p:style>
+          <a:lnRef idx="2">
+            <a:schemeClr val="accent2">
+              <a:shade val="50000"/>
+            </a:schemeClr>
+          </a:lnRef>
+          <a:fillRef idx="1">
+            <a:schemeClr val="accent2"/>
+          </a:fillRef>
+          <a:effectRef idx="0">
+            <a:schemeClr val="accent2"/>
+          </a:effectRef>
+          <a:fontRef idx="minor">
+            <a:schemeClr val="lt1"/>
+          </a:fontRef>
+        </p:style>
+        <p:txBody>
+          <a:bodyPr rtlCol="0" anchor="ctr"/>
+          <a:lstStyle/>
+          <a:p>
+            <a:pPr algn="ctr"/>
+            <a:r>
+              <a:rPr lang="en-US" sz="1200" dirty="0" smtClean="0"/>
+              <a:t>JSON controller command message</a:t>
+            </a:r>
+            <a:endParaRPr lang="en-US" sz="1200" dirty="0"/>
+          </a:p>
+        </p:txBody>
+      </p:sp>
+      <p:sp>
+        <p:nvSpPr>
+          <p:cNvPr id="10" name="Rectangle 9"/>
+          <p:cNvSpPr/>
+          <p:nvPr/>
+        </p:nvSpPr>
+        <p:spPr>
+          <a:xfrm>
+            <a:off x="3627042" y="1906664"/>
+            <a:ext cx="1267176" cy="641480"/>
+          </a:xfrm>
+          <a:prstGeom prst="rect">
+            <a:avLst/>
+          </a:prstGeom>
+        </p:spPr>
+        <p:style>
+          <a:lnRef idx="2">
+            <a:schemeClr val="accent2">
+              <a:shade val="50000"/>
+            </a:schemeClr>
+          </a:lnRef>
+          <a:fillRef idx="1">
+            <a:schemeClr val="accent2"/>
+          </a:fillRef>
+          <a:effectRef idx="0">
+            <a:schemeClr val="accent2"/>
+          </a:effectRef>
+          <a:fontRef idx="minor">
+            <a:schemeClr val="lt1"/>
+          </a:fontRef>
+        </p:style>
+        <p:txBody>
+          <a:bodyPr rtlCol="0" anchor="ctr"/>
+          <a:lstStyle/>
+          <a:p>
+            <a:pPr algn="ctr"/>
+            <a:r>
+              <a:rPr lang="en-US" sz="1200" dirty="0"/>
+              <a:t>JSON sensor state message</a:t>
+            </a:r>
+            <a:endParaRPr lang="en-US" sz="1200" dirty="0"/>
+          </a:p>
+        </p:txBody>
+      </p:sp>
+      <p:cxnSp>
+        <p:nvCxnSpPr>
+          <p:cNvPr id="14" name="Straight Arrow Connector 13"/>
+          <p:cNvCxnSpPr>
+            <a:stCxn id="9" idx="2"/>
+          </p:cNvCxnSpPr>
+          <p:nvPr/>
+        </p:nvCxnSpPr>
+        <p:spPr>
+          <a:xfrm>
+            <a:off x="2832997" y="2548144"/>
+            <a:ext cx="623152" cy="423656"/>
+          </a:xfrm>
+          <a:prstGeom prst="straightConnector1">
+            <a:avLst/>
+          </a:prstGeom>
+          <a:ln>
+            <a:tailEnd type="arrow"/>
+          </a:ln>
+        </p:spPr>
+        <p:style>
+          <a:lnRef idx="1">
+            <a:schemeClr val="accent1"/>
+          </a:lnRef>
+          <a:fillRef idx="0">
+            <a:schemeClr val="accent1"/>
+          </a:fillRef>
+          <a:effectRef idx="0">
+            <a:schemeClr val="accent1"/>
+          </a:effectRef>
+          <a:fontRef idx="minor">
+            <a:schemeClr val="tx1"/>
+          </a:fontRef>
+        </p:style>
+      </p:cxnSp>
+      <p:cxnSp>
+        <p:nvCxnSpPr>
+          <p:cNvPr id="21" name="Straight Arrow Connector 20"/>
+          <p:cNvCxnSpPr>
+            <a:endCxn id="10" idx="2"/>
+          </p:cNvCxnSpPr>
+          <p:nvPr/>
+        </p:nvCxnSpPr>
+        <p:spPr>
+          <a:xfrm flipV="1">
+            <a:off x="3802177" y="2548144"/>
+            <a:ext cx="458453" cy="423656"/>
+          </a:xfrm>
+          <a:prstGeom prst="straightConnector1">
+            <a:avLst/>
+          </a:prstGeom>
+          <a:ln>
+            <a:tailEnd type="arrow"/>
+          </a:ln>
+        </p:spPr>
+        <p:style>
+          <a:lnRef idx="1">
+            <a:schemeClr val="accent1"/>
+          </a:lnRef>
+          <a:fillRef idx="0">
+            <a:schemeClr val="accent1"/>
+          </a:fillRef>
+          <a:effectRef idx="0">
+            <a:schemeClr val="accent1"/>
+          </a:effectRef>
+          <a:fontRef idx="minor">
+            <a:schemeClr val="tx1"/>
+          </a:fontRef>
+        </p:style>
+      </p:cxnSp>
+      <p:cxnSp>
+        <p:nvCxnSpPr>
+          <p:cNvPr id="25" name="Straight Arrow Connector 24"/>
+          <p:cNvCxnSpPr/>
+          <p:nvPr/>
+        </p:nvCxnSpPr>
+        <p:spPr>
+          <a:xfrm flipH="1" flipV="1">
+            <a:off x="3802177" y="1487136"/>
+            <a:ext cx="458453" cy="419528"/>
+          </a:xfrm>
+          <a:prstGeom prst="straightConnector1">
+            <a:avLst/>
+          </a:prstGeom>
+          <a:ln>
+            <a:tailEnd type="arrow"/>
+          </a:ln>
+        </p:spPr>
+        <p:style>
+          <a:lnRef idx="1">
+            <a:schemeClr val="accent1"/>
+          </a:lnRef>
+          <a:fillRef idx="0">
+            <a:schemeClr val="accent1"/>
+          </a:fillRef>
+          <a:effectRef idx="0">
+            <a:schemeClr val="accent1"/>
+          </a:effectRef>
+          <a:fontRef idx="minor">
+            <a:schemeClr val="tx1"/>
+          </a:fontRef>
+        </p:style>
+      </p:cxnSp>
+      <p:cxnSp>
+        <p:nvCxnSpPr>
+          <p:cNvPr id="26" name="Straight Arrow Connector 25"/>
+          <p:cNvCxnSpPr/>
+          <p:nvPr/>
+        </p:nvCxnSpPr>
+        <p:spPr>
+          <a:xfrm flipH="1">
+            <a:off x="2832997" y="1487136"/>
+            <a:ext cx="455147" cy="419528"/>
+          </a:xfrm>
+          <a:prstGeom prst="straightConnector1">
+            <a:avLst/>
+          </a:prstGeom>
+          <a:ln>
+            <a:tailEnd type="arrow"/>
+          </a:ln>
+        </p:spPr>
+        <p:style>
+          <a:lnRef idx="1">
+            <a:schemeClr val="accent1"/>
+          </a:lnRef>
+          <a:fillRef idx="0">
+            <a:schemeClr val="accent1"/>
+          </a:fillRef>
+          <a:effectRef idx="0">
+            <a:schemeClr val="accent1"/>
+          </a:effectRef>
+          <a:fontRef idx="minor">
+            <a:schemeClr val="tx1"/>
+          </a:fontRef>
+        </p:style>
+      </p:cxnSp>
+      <p:sp>
+        <p:nvSpPr>
+          <p:cNvPr id="27" name="Rounded Rectangle 26"/>
+          <p:cNvSpPr/>
+          <p:nvPr/>
+        </p:nvSpPr>
+        <p:spPr>
+          <a:xfrm>
+            <a:off x="2971800" y="2971800"/>
+            <a:ext cx="1267176" cy="480454"/>
+          </a:xfrm>
+          <a:prstGeom prst="roundRect">
+            <a:avLst>
+              <a:gd name="adj" fmla="val 20065"/>
+            </a:avLst>
+          </a:prstGeom>
+          <a:ln w="12700"/>
+        </p:spPr>
+        <p:style>
+          <a:lnRef idx="2">
+            <a:schemeClr val="accent1">
+              <a:shade val="50000"/>
+            </a:schemeClr>
+          </a:lnRef>
+          <a:fillRef idx="1">
+            <a:schemeClr val="accent1"/>
+          </a:fillRef>
+          <a:effectRef idx="0">
+            <a:schemeClr val="accent1"/>
+          </a:effectRef>
+          <a:fontRef idx="minor">
+            <a:schemeClr val="lt1"/>
+          </a:fontRef>
+        </p:style>
+        <p:txBody>
+          <a:bodyPr lIns="0" tIns="0" rIns="0" bIns="0" rtlCol="0" anchor="ctr"/>
+          <a:lstStyle/>
+          <a:p>
+            <a:pPr algn="ctr"/>
+            <a:r>
+              <a:rPr lang="en-US" sz="1050" dirty="0" err="1" smtClean="0"/>
+              <a:t>Klamp’t</a:t>
+            </a:r>
+            <a:r>
+              <a:rPr lang="en-US" sz="1050" dirty="0" smtClean="0"/>
+              <a:t> </a:t>
+            </a:r>
+            <a:r>
+              <a:rPr lang="en-US" sz="1050" dirty="0" err="1" smtClean="0"/>
+              <a:t>SerialController</a:t>
+            </a:r>
+            <a:endParaRPr lang="en-US" sz="1050" dirty="0"/>
+          </a:p>
+        </p:txBody>
+      </p:sp>
+      <p:sp>
+        <p:nvSpPr>
+          <p:cNvPr id="28" name="Rounded Rectangle 27"/>
+          <p:cNvSpPr/>
+          <p:nvPr/>
+        </p:nvSpPr>
+        <p:spPr>
+          <a:xfrm>
+            <a:off x="2971800" y="3621830"/>
+            <a:ext cx="1267176" cy="480454"/>
+          </a:xfrm>
+          <a:prstGeom prst="roundRect">
+            <a:avLst>
+              <a:gd name="adj" fmla="val 20065"/>
+            </a:avLst>
+          </a:prstGeom>
+          <a:ln w="12700"/>
+        </p:spPr>
+        <p:style>
+          <a:lnRef idx="2">
+            <a:schemeClr val="accent1">
+              <a:shade val="50000"/>
+            </a:schemeClr>
+          </a:lnRef>
+          <a:fillRef idx="1">
+            <a:schemeClr val="accent1"/>
+          </a:fillRef>
+          <a:effectRef idx="0">
+            <a:schemeClr val="accent1"/>
+          </a:effectRef>
+          <a:fontRef idx="minor">
+            <a:schemeClr val="lt1"/>
+          </a:fontRef>
+        </p:style>
+        <p:txBody>
+          <a:bodyPr lIns="0" tIns="0" rIns="0" bIns="0" rtlCol="0" anchor="ctr"/>
+          <a:lstStyle/>
+          <a:p>
+            <a:pPr algn="ctr"/>
+            <a:r>
+              <a:rPr lang="en-US" sz="1050" dirty="0" smtClean="0"/>
+              <a:t>Simulated robot (</a:t>
+            </a:r>
+            <a:r>
+              <a:rPr lang="en-US" sz="1050" dirty="0" err="1" smtClean="0"/>
+              <a:t>SimTest</a:t>
+            </a:r>
+            <a:r>
+              <a:rPr lang="en-US" sz="1050" dirty="0" smtClean="0"/>
+              <a:t>, </a:t>
+            </a:r>
+            <a:r>
+              <a:rPr lang="en-US" sz="1050" dirty="0" smtClean="0"/>
+              <a:t>simtest.py, etc.)</a:t>
+            </a:r>
+            <a:endParaRPr lang="en-US" sz="1050" dirty="0"/>
+          </a:p>
+        </p:txBody>
+      </p:sp>
+      <p:sp>
+        <p:nvSpPr>
+          <p:cNvPr id="29" name="Down Arrow 28"/>
+          <p:cNvSpPr/>
+          <p:nvPr/>
+        </p:nvSpPr>
+        <p:spPr>
+          <a:xfrm>
+            <a:off x="3382280" y="3470524"/>
+            <a:ext cx="147738" cy="151306"/>
+          </a:xfrm>
+          <a:prstGeom prst="downArrow">
+            <a:avLst/>
+          </a:prstGeom>
+        </p:spPr>
+        <p:style>
+          <a:lnRef idx="2">
+            <a:schemeClr val="accent6">
+              <a:shade val="50000"/>
+            </a:schemeClr>
+          </a:lnRef>
+          <a:fillRef idx="1">
+            <a:schemeClr val="accent6"/>
+          </a:fillRef>
+          <a:effectRef idx="0">
+            <a:schemeClr val="accent6"/>
+          </a:effectRef>
+          <a:fontRef idx="minor">
+            <a:schemeClr val="lt1"/>
+          </a:fontRef>
+        </p:style>
+        <p:txBody>
+          <a:bodyPr lIns="0" rIns="0" rtlCol="0" anchor="ctr"/>
+          <a:lstStyle/>
+          <a:p>
+            <a:pPr algn="ctr"/>
+            <a:endParaRPr lang="en-US" sz="1400"/>
+          </a:p>
+        </p:txBody>
+      </p:sp>
+      <p:sp>
+        <p:nvSpPr>
+          <p:cNvPr id="30" name="Down Arrow 29"/>
+          <p:cNvSpPr/>
+          <p:nvPr/>
+        </p:nvSpPr>
+        <p:spPr>
+          <a:xfrm rot="10800000">
+            <a:off x="3633526" y="3467260"/>
+            <a:ext cx="147738" cy="151306"/>
+          </a:xfrm>
+          <a:prstGeom prst="downArrow">
+            <a:avLst/>
+          </a:prstGeom>
+        </p:spPr>
+        <p:style>
+          <a:lnRef idx="2">
+            <a:schemeClr val="accent6">
+              <a:shade val="50000"/>
+            </a:schemeClr>
+          </a:lnRef>
+          <a:fillRef idx="1">
+            <a:schemeClr val="accent6"/>
+          </a:fillRef>
+          <a:effectRef idx="0">
+            <a:schemeClr val="accent6"/>
+          </a:effectRef>
+          <a:fontRef idx="minor">
+            <a:schemeClr val="lt1"/>
+          </a:fontRef>
+        </p:style>
+        <p:txBody>
+          <a:bodyPr lIns="0" rIns="0" rtlCol="0" anchor="ctr"/>
+          <a:lstStyle/>
+          <a:p>
+            <a:pPr algn="ctr"/>
+            <a:endParaRPr lang="en-US" sz="1400"/>
+          </a:p>
+        </p:txBody>
+      </p:sp>
+    </p:spTree>
+    <p:extLst>
+      <p:ext uri="{BB962C8B-B14F-4D97-AF65-F5344CB8AC3E}">
+        <p14:creationId xmlns:p14="http://schemas.microsoft.com/office/powerpoint/2010/main" val="2230252343"/>
       </p:ext>
     </p:extLst>
   </p:cSld>
